--- a/css_flexbox_grid.pptx
+++ b/css_flexbox_grid.pptx
@@ -14,6 +14,17 @@
     <p:sldId id="259" r:id="rId11"/>
     <p:sldId id="260" r:id="rId12"/>
     <p:sldId id="261" r:id="rId13"/>
+    <p:sldId id="262" r:id="rId14"/>
+    <p:sldId id="263" r:id="rId15"/>
+    <p:sldId id="264" r:id="rId16"/>
+    <p:sldId id="265" r:id="rId17"/>
+    <p:sldId id="266" r:id="rId18"/>
+    <p:sldId id="267" r:id="rId19"/>
+    <p:sldId id="268" r:id="rId20"/>
+    <p:sldId id="269" r:id="rId21"/>
+    <p:sldId id="270" r:id="rId22"/>
+    <p:sldId id="271" r:id="rId23"/>
+    <p:sldId id="272" r:id="rId24"/>
   </p:sldIdLst>
   <p:sldSz cx="13004800" cy="9753600"/>
   <p:notesSz cx="6858000" cy="9144000"/>
@@ -59,7 +70,7 @@
       <a:buFontTx/>
       <a:buNone/>
       <a:tabLst/>
-      <a:defRPr b="0" baseline="0" cap="none" i="0" spc="0" strike="noStrike" sz="3600" u="none" kumimoji="0" normalizeH="0">
+      <a:defRPr b="0" baseline="0" cap="none" i="0" spc="0" strike="noStrike" sz="3400" u="none" kumimoji="0" normalizeH="0">
         <a:ln>
           <a:noFill/>
         </a:ln>
@@ -89,7 +100,7 @@
       <a:buFontTx/>
       <a:buNone/>
       <a:tabLst/>
-      <a:defRPr b="0" baseline="0" cap="none" i="0" spc="0" strike="noStrike" sz="3600" u="none" kumimoji="0" normalizeH="0">
+      <a:defRPr b="0" baseline="0" cap="none" i="0" spc="0" strike="noStrike" sz="3400" u="none" kumimoji="0" normalizeH="0">
         <a:ln>
           <a:noFill/>
         </a:ln>
@@ -119,7 +130,7 @@
       <a:buFontTx/>
       <a:buNone/>
       <a:tabLst/>
-      <a:defRPr b="0" baseline="0" cap="none" i="0" spc="0" strike="noStrike" sz="3600" u="none" kumimoji="0" normalizeH="0">
+      <a:defRPr b="0" baseline="0" cap="none" i="0" spc="0" strike="noStrike" sz="3400" u="none" kumimoji="0" normalizeH="0">
         <a:ln>
           <a:noFill/>
         </a:ln>
@@ -149,7 +160,7 @@
       <a:buFontTx/>
       <a:buNone/>
       <a:tabLst/>
-      <a:defRPr b="0" baseline="0" cap="none" i="0" spc="0" strike="noStrike" sz="3600" u="none" kumimoji="0" normalizeH="0">
+      <a:defRPr b="0" baseline="0" cap="none" i="0" spc="0" strike="noStrike" sz="3400" u="none" kumimoji="0" normalizeH="0">
         <a:ln>
           <a:noFill/>
         </a:ln>
@@ -179,7 +190,7 @@
       <a:buFontTx/>
       <a:buNone/>
       <a:tabLst/>
-      <a:defRPr b="0" baseline="0" cap="none" i="0" spc="0" strike="noStrike" sz="3600" u="none" kumimoji="0" normalizeH="0">
+      <a:defRPr b="0" baseline="0" cap="none" i="0" spc="0" strike="noStrike" sz="3400" u="none" kumimoji="0" normalizeH="0">
         <a:ln>
           <a:noFill/>
         </a:ln>
@@ -209,7 +220,7 @@
       <a:buFontTx/>
       <a:buNone/>
       <a:tabLst/>
-      <a:defRPr b="0" baseline="0" cap="none" i="0" spc="0" strike="noStrike" sz="3600" u="none" kumimoji="0" normalizeH="0">
+      <a:defRPr b="0" baseline="0" cap="none" i="0" spc="0" strike="noStrike" sz="3400" u="none" kumimoji="0" normalizeH="0">
         <a:ln>
           <a:noFill/>
         </a:ln>
@@ -239,7 +250,7 @@
       <a:buFontTx/>
       <a:buNone/>
       <a:tabLst/>
-      <a:defRPr b="0" baseline="0" cap="none" i="0" spc="0" strike="noStrike" sz="3600" u="none" kumimoji="0" normalizeH="0">
+      <a:defRPr b="0" baseline="0" cap="none" i="0" spc="0" strike="noStrike" sz="3400" u="none" kumimoji="0" normalizeH="0">
         <a:ln>
           <a:noFill/>
         </a:ln>
@@ -269,7 +280,7 @@
       <a:buFontTx/>
       <a:buNone/>
       <a:tabLst/>
-      <a:defRPr b="0" baseline="0" cap="none" i="0" spc="0" strike="noStrike" sz="3600" u="none" kumimoji="0" normalizeH="0">
+      <a:defRPr b="0" baseline="0" cap="none" i="0" spc="0" strike="noStrike" sz="3400" u="none" kumimoji="0" normalizeH="0">
         <a:ln>
           <a:noFill/>
         </a:ln>
@@ -299,7 +310,7 @@
       <a:buFontTx/>
       <a:buNone/>
       <a:tabLst/>
-      <a:defRPr b="0" baseline="0" cap="none" i="0" spc="0" strike="noStrike" sz="3600" u="none" kumimoji="0" normalizeH="0">
+      <a:defRPr b="0" baseline="0" cap="none" i="0" spc="0" strike="noStrike" sz="3400" u="none" kumimoji="0" normalizeH="0">
         <a:ln>
           <a:noFill/>
         </a:ln>
@@ -523,8 +534,8 @@
         </p:nvSpPr>
         <p:spPr>
           <a:xfrm>
-            <a:off x="355600" y="2044700"/>
-            <a:ext cx="12293600" cy="3238500"/>
+            <a:off x="1892299" y="2752724"/>
+            <a:ext cx="9220202" cy="2428877"/>
           </a:xfrm>
           <a:prstGeom prst="rect">
             <a:avLst/>
@@ -551,8 +562,8 @@
         </p:nvSpPr>
         <p:spPr>
           <a:xfrm>
-            <a:off x="355600" y="5270500"/>
-            <a:ext cx="12293600" cy="1295400"/>
+            <a:off x="1892299" y="5172075"/>
+            <a:ext cx="9220202" cy="971551"/>
           </a:xfrm>
           <a:prstGeom prst="rect">
             <a:avLst/>
@@ -562,39 +573,59 @@
           <a:bodyPr anchor="t"/>
           <a:lstStyle>
             <a:lvl1pPr marL="0" indent="0" algn="ctr">
+              <a:lnSpc>
+                <a:spcPct val="100000"/>
+              </a:lnSpc>
               <a:spcBef>
                 <a:spcPts val="0"/>
               </a:spcBef>
               <a:buSzTx/>
               <a:buNone/>
+              <a:defRPr sz="3600"/>
             </a:lvl1pPr>
             <a:lvl2pPr marL="0" indent="228600" algn="ctr">
+              <a:lnSpc>
+                <a:spcPct val="100000"/>
+              </a:lnSpc>
               <a:spcBef>
                 <a:spcPts val="0"/>
               </a:spcBef>
               <a:buSzTx/>
               <a:buNone/>
+              <a:defRPr sz="3600"/>
             </a:lvl2pPr>
             <a:lvl3pPr marL="0" indent="457200" algn="ctr">
+              <a:lnSpc>
+                <a:spcPct val="100000"/>
+              </a:lnSpc>
               <a:spcBef>
                 <a:spcPts val="0"/>
               </a:spcBef>
               <a:buSzTx/>
               <a:buNone/>
+              <a:defRPr sz="3600"/>
             </a:lvl3pPr>
             <a:lvl4pPr marL="0" indent="685800" algn="ctr">
+              <a:lnSpc>
+                <a:spcPct val="100000"/>
+              </a:lnSpc>
               <a:spcBef>
                 <a:spcPts val="0"/>
               </a:spcBef>
               <a:buSzTx/>
               <a:buNone/>
+              <a:defRPr sz="3600"/>
             </a:lvl4pPr>
             <a:lvl5pPr marL="0" indent="914400" algn="ctr">
+              <a:lnSpc>
+                <a:spcPct val="100000"/>
+              </a:lnSpc>
               <a:spcBef>
                 <a:spcPts val="0"/>
               </a:spcBef>
               <a:buSzTx/>
               <a:buNone/>
+              <a:defRPr sz="3600"/>
             </a:lvl5pPr>
           </a:lstStyle>
           <a:p>
@@ -687,8 +718,8 @@
         </p:nvSpPr>
         <p:spPr>
           <a:xfrm>
-            <a:off x="1270000" y="5689600"/>
-            <a:ext cx="10464800" cy="508000"/>
+            <a:off x="2578099" y="5486400"/>
+            <a:ext cx="7848602" cy="444501"/>
           </a:xfrm>
           <a:prstGeom prst="rect">
             <a:avLst/>
@@ -700,12 +731,15 @@
           </a:bodyPr>
           <a:lstStyle>
             <a:lvl1pPr marL="0" indent="0" algn="ctr">
+              <a:lnSpc>
+                <a:spcPct val="100000"/>
+              </a:lnSpc>
               <a:spcBef>
                 <a:spcPts val="0"/>
               </a:spcBef>
               <a:buSzTx/>
               <a:buNone/>
-              <a:defRPr sz="2800"/>
+              <a:defRPr sz="2600"/>
             </a:lvl1pPr>
           </a:lstStyle>
           <a:p>
@@ -726,8 +760,8 @@
         </p:nvSpPr>
         <p:spPr>
           <a:xfrm>
-            <a:off x="1270000" y="4152900"/>
-            <a:ext cx="10464800" cy="647700"/>
+            <a:off x="2578099" y="4278312"/>
+            <a:ext cx="7848602" cy="596901"/>
           </a:xfrm>
           <a:prstGeom prst="rect">
             <a:avLst/>
@@ -739,11 +773,15 @@
           </a:bodyPr>
           <a:lstStyle>
             <a:lvl1pPr marL="0" indent="0" algn="ctr">
+              <a:lnSpc>
+                <a:spcPct val="100000"/>
+              </a:lnSpc>
               <a:spcBef>
                 <a:spcPts val="0"/>
               </a:spcBef>
               <a:buSzTx/>
               <a:buNone/>
+              <a:defRPr sz="3600"/>
             </a:lvl1pPr>
           </a:lstStyle>
           <a:p>
@@ -812,8 +850,8 @@
         </p:nvSpPr>
         <p:spPr>
           <a:xfrm>
-            <a:off x="0" y="0"/>
-            <a:ext cx="13004800" cy="9753600"/>
+            <a:off x="1625599" y="1219199"/>
+            <a:ext cx="9753602" cy="7315202"/>
           </a:xfrm>
           <a:prstGeom prst="rect">
             <a:avLst/>
@@ -930,13 +968,13 @@
           <p:cNvPr id="20" name="Shape 20"/>
           <p:cNvSpPr/>
           <p:nvPr>
-            <p:ph type="pic" idx="13"/>
+            <p:ph type="pic" sz="half" idx="13"/>
           </p:nvPr>
         </p:nvSpPr>
         <p:spPr>
           <a:xfrm>
-            <a:off x="1346200" y="520700"/>
-            <a:ext cx="10388600" cy="5860236"/>
+            <a:off x="2635249" y="1609724"/>
+            <a:ext cx="7791452" cy="4395178"/>
           </a:xfrm>
           <a:prstGeom prst="rect">
             <a:avLst/>
@@ -962,8 +1000,8 @@
         </p:nvSpPr>
         <p:spPr>
           <a:xfrm>
-            <a:off x="1270000" y="6908800"/>
-            <a:ext cx="10464800" cy="1282700"/>
+            <a:off x="2578099" y="6400800"/>
+            <a:ext cx="7848602" cy="962026"/>
           </a:xfrm>
           <a:prstGeom prst="rect">
             <a:avLst/>
@@ -990,8 +1028,8 @@
         </p:nvSpPr>
         <p:spPr>
           <a:xfrm>
-            <a:off x="1270000" y="8191500"/>
-            <a:ext cx="10464800" cy="1130300"/>
+            <a:off x="2578099" y="7362825"/>
+            <a:ext cx="7848602" cy="847726"/>
           </a:xfrm>
           <a:prstGeom prst="rect">
             <a:avLst/>
@@ -1001,39 +1039,59 @@
           <a:bodyPr anchor="t"/>
           <a:lstStyle>
             <a:lvl1pPr marL="0" indent="0" algn="ctr">
+              <a:lnSpc>
+                <a:spcPct val="100000"/>
+              </a:lnSpc>
               <a:spcBef>
                 <a:spcPts val="0"/>
               </a:spcBef>
               <a:buSzTx/>
               <a:buNone/>
+              <a:defRPr sz="3600"/>
             </a:lvl1pPr>
             <a:lvl2pPr marL="0" indent="228600" algn="ctr">
+              <a:lnSpc>
+                <a:spcPct val="100000"/>
+              </a:lnSpc>
               <a:spcBef>
                 <a:spcPts val="0"/>
               </a:spcBef>
               <a:buSzTx/>
               <a:buNone/>
+              <a:defRPr sz="3600"/>
             </a:lvl2pPr>
             <a:lvl3pPr marL="0" indent="457200" algn="ctr">
+              <a:lnSpc>
+                <a:spcPct val="100000"/>
+              </a:lnSpc>
               <a:spcBef>
                 <a:spcPts val="0"/>
               </a:spcBef>
               <a:buSzTx/>
               <a:buNone/>
+              <a:defRPr sz="3600"/>
             </a:lvl3pPr>
             <a:lvl4pPr marL="0" indent="685800" algn="ctr">
+              <a:lnSpc>
+                <a:spcPct val="100000"/>
+              </a:lnSpc>
               <a:spcBef>
                 <a:spcPts val="0"/>
               </a:spcBef>
               <a:buSzTx/>
               <a:buNone/>
+              <a:defRPr sz="3600"/>
             </a:lvl4pPr>
             <a:lvl5pPr marL="0" indent="914400" algn="ctr">
+              <a:lnSpc>
+                <a:spcPct val="100000"/>
+              </a:lnSpc>
               <a:spcBef>
                 <a:spcPts val="0"/>
               </a:spcBef>
               <a:buSzTx/>
               <a:buNone/>
+              <a:defRPr sz="3600"/>
             </a:lvl5pPr>
           </a:lstStyle>
           <a:p>
@@ -1126,8 +1184,8 @@
         </p:nvSpPr>
         <p:spPr>
           <a:xfrm>
-            <a:off x="355600" y="3251200"/>
-            <a:ext cx="12293600" cy="3238500"/>
+            <a:off x="1892299" y="3657599"/>
+            <a:ext cx="9220202" cy="2428877"/>
           </a:xfrm>
           <a:prstGeom prst="rect">
             <a:avLst/>
@@ -1197,13 +1255,13 @@
           <p:cNvPr id="38" name="Shape 38"/>
           <p:cNvSpPr/>
           <p:nvPr>
-            <p:ph type="pic" sz="half" idx="13"/>
+            <p:ph type="pic" sz="quarter" idx="13"/>
           </p:nvPr>
         </p:nvSpPr>
         <p:spPr>
           <a:xfrm>
-            <a:off x="6705600" y="609600"/>
-            <a:ext cx="5359400" cy="7759700"/>
+            <a:off x="6654800" y="1676399"/>
+            <a:ext cx="4019551" cy="5819777"/>
           </a:xfrm>
           <a:prstGeom prst="rect">
             <a:avLst/>
@@ -1229,8 +1287,8 @@
         </p:nvSpPr>
         <p:spPr>
           <a:xfrm>
-            <a:off x="355600" y="1016000"/>
-            <a:ext cx="5892800" cy="3886200"/>
+            <a:off x="1892299" y="1981199"/>
+            <a:ext cx="4419601" cy="2914652"/>
           </a:xfrm>
           <a:prstGeom prst="rect">
             <a:avLst/>
@@ -1257,8 +1315,8 @@
         </p:nvSpPr>
         <p:spPr>
           <a:xfrm>
-            <a:off x="355600" y="4889500"/>
-            <a:ext cx="5892800" cy="3886200"/>
+            <a:off x="1892299" y="4886325"/>
+            <a:ext cx="4419601" cy="2914651"/>
           </a:xfrm>
           <a:prstGeom prst="rect">
             <a:avLst/>
@@ -1268,39 +1326,59 @@
           <a:bodyPr anchor="t"/>
           <a:lstStyle>
             <a:lvl1pPr marL="0" indent="0" algn="ctr">
+              <a:lnSpc>
+                <a:spcPct val="100000"/>
+              </a:lnSpc>
               <a:spcBef>
                 <a:spcPts val="0"/>
               </a:spcBef>
               <a:buSzTx/>
               <a:buNone/>
+              <a:defRPr sz="3600"/>
             </a:lvl1pPr>
             <a:lvl2pPr marL="0" indent="228600" algn="ctr">
+              <a:lnSpc>
+                <a:spcPct val="100000"/>
+              </a:lnSpc>
               <a:spcBef>
                 <a:spcPts val="0"/>
               </a:spcBef>
               <a:buSzTx/>
               <a:buNone/>
+              <a:defRPr sz="3600"/>
             </a:lvl2pPr>
             <a:lvl3pPr marL="0" indent="457200" algn="ctr">
+              <a:lnSpc>
+                <a:spcPct val="100000"/>
+              </a:lnSpc>
               <a:spcBef>
                 <a:spcPts val="0"/>
               </a:spcBef>
               <a:buSzTx/>
               <a:buNone/>
+              <a:defRPr sz="3600"/>
             </a:lvl3pPr>
             <a:lvl4pPr marL="0" indent="685800" algn="ctr">
+              <a:lnSpc>
+                <a:spcPct val="100000"/>
+              </a:lnSpc>
               <a:spcBef>
                 <a:spcPts val="0"/>
               </a:spcBef>
               <a:buSzTx/>
               <a:buNone/>
+              <a:defRPr sz="3600"/>
             </a:lvl4pPr>
             <a:lvl5pPr marL="0" indent="914400" algn="ctr">
+              <a:lnSpc>
+                <a:spcPct val="100000"/>
+              </a:lnSpc>
               <a:spcBef>
                 <a:spcPts val="0"/>
               </a:spcBef>
               <a:buSzTx/>
               <a:buNone/>
+              <a:defRPr sz="3600"/>
             </a:lvl5pPr>
           </a:lstStyle>
           <a:p>
@@ -1484,63 +1562,21 @@
           <p:cNvPr id="57" name="Shape 57"/>
           <p:cNvSpPr/>
           <p:nvPr>
-            <p:ph type="body" idx="1"/>
+            <p:ph type="body" sz="half" idx="1"/>
           </p:nvPr>
         </p:nvSpPr>
         <p:spPr>
+          <a:xfrm>
+            <a:off x="1892299" y="3267074"/>
+            <a:ext cx="9220202" cy="4724402"/>
+          </a:xfrm>
           <a:prstGeom prst="rect">
             <a:avLst/>
           </a:prstGeom>
         </p:spPr>
         <p:txBody>
           <a:bodyPr/>
-          <a:lstStyle>
-            <a:lvl1pPr marL="520700" indent="-520700">
-              <a:lnSpc>
-                <a:spcPct val="120000"/>
-              </a:lnSpc>
-              <a:spcBef>
-                <a:spcPts val="4600"/>
-              </a:spcBef>
-              <a:defRPr sz="4600"/>
-            </a:lvl1pPr>
-            <a:lvl2pPr marL="1041400" indent="-520700">
-              <a:lnSpc>
-                <a:spcPct val="120000"/>
-              </a:lnSpc>
-              <a:spcBef>
-                <a:spcPts val="4600"/>
-              </a:spcBef>
-              <a:defRPr sz="4600"/>
-            </a:lvl2pPr>
-            <a:lvl3pPr marL="1562100" indent="-520700">
-              <a:lnSpc>
-                <a:spcPct val="120000"/>
-              </a:lnSpc>
-              <a:spcBef>
-                <a:spcPts val="4600"/>
-              </a:spcBef>
-              <a:defRPr sz="4600"/>
-            </a:lvl3pPr>
-            <a:lvl4pPr marL="2082800" indent="-520700">
-              <a:lnSpc>
-                <a:spcPct val="120000"/>
-              </a:lnSpc>
-              <a:spcBef>
-                <a:spcPts val="4600"/>
-              </a:spcBef>
-              <a:defRPr sz="4600"/>
-            </a:lvl4pPr>
-            <a:lvl5pPr marL="2603500" indent="-520700">
-              <a:lnSpc>
-                <a:spcPct val="120000"/>
-              </a:lnSpc>
-              <a:spcBef>
-                <a:spcPts val="4600"/>
-              </a:spcBef>
-              <a:defRPr sz="4600"/>
-            </a:lvl5pPr>
-          </a:lstStyle>
+          <a:lstStyle/>
           <a:p>
             <a:pPr/>
             <a:r>
@@ -1626,13 +1662,13 @@
           <p:cNvPr id="65" name="Shape 65"/>
           <p:cNvSpPr/>
           <p:nvPr>
-            <p:ph type="pic" sz="half" idx="13"/>
+            <p:ph type="pic" sz="quarter" idx="13"/>
           </p:nvPr>
         </p:nvSpPr>
         <p:spPr>
           <a:xfrm>
-            <a:off x="6870700" y="2781300"/>
-            <a:ext cx="5283200" cy="6184900"/>
+            <a:off x="6778625" y="3305174"/>
+            <a:ext cx="3962401" cy="4638677"/>
           </a:xfrm>
           <a:prstGeom prst="rect">
             <a:avLst/>
@@ -1677,13 +1713,13 @@
           <p:cNvPr id="67" name="Shape 67"/>
           <p:cNvSpPr/>
           <p:nvPr>
-            <p:ph type="body" sz="half" idx="1"/>
+            <p:ph type="body" sz="quarter" idx="1"/>
           </p:nvPr>
         </p:nvSpPr>
         <p:spPr>
           <a:xfrm>
-            <a:off x="355600" y="2730500"/>
-            <a:ext cx="5892800" cy="6299200"/>
+            <a:off x="1892299" y="3267074"/>
+            <a:ext cx="4419601" cy="4724402"/>
           </a:xfrm>
           <a:prstGeom prst="rect">
             <a:avLst/>
@@ -1691,7 +1727,53 @@
         </p:spPr>
         <p:txBody>
           <a:bodyPr/>
-          <a:lstStyle/>
+          <a:lstStyle>
+            <a:lvl1pPr marL="409073" indent="-409073">
+              <a:lnSpc>
+                <a:spcPct val="100000"/>
+              </a:lnSpc>
+              <a:spcBef>
+                <a:spcPts val="3800"/>
+              </a:spcBef>
+              <a:defRPr sz="3600"/>
+            </a:lvl1pPr>
+            <a:lvl2pPr marL="840873" indent="-409073">
+              <a:lnSpc>
+                <a:spcPct val="100000"/>
+              </a:lnSpc>
+              <a:spcBef>
+                <a:spcPts val="3800"/>
+              </a:spcBef>
+              <a:defRPr sz="3600"/>
+            </a:lvl2pPr>
+            <a:lvl3pPr marL="1272673" indent="-409073">
+              <a:lnSpc>
+                <a:spcPct val="100000"/>
+              </a:lnSpc>
+              <a:spcBef>
+                <a:spcPts val="3800"/>
+              </a:spcBef>
+              <a:defRPr sz="3600"/>
+            </a:lvl3pPr>
+            <a:lvl4pPr marL="1704473" indent="-409073">
+              <a:lnSpc>
+                <a:spcPct val="100000"/>
+              </a:lnSpc>
+              <a:spcBef>
+                <a:spcPts val="3800"/>
+              </a:spcBef>
+              <a:defRPr sz="3600"/>
+            </a:lvl4pPr>
+            <a:lvl5pPr marL="2136273" indent="-409073">
+              <a:lnSpc>
+                <a:spcPct val="100000"/>
+              </a:lnSpc>
+              <a:spcBef>
+                <a:spcPts val="3800"/>
+              </a:spcBef>
+              <a:defRPr sz="3600"/>
+            </a:lvl5pPr>
+          </a:lstStyle>
           <a:p>
             <a:pPr/>
             <a:r>
@@ -1781,63 +1863,13 @@
           </p:nvPr>
         </p:nvSpPr>
         <p:spPr>
-          <a:xfrm>
-            <a:off x="762000" y="762000"/>
-            <a:ext cx="11468100" cy="8216900"/>
-          </a:xfrm>
           <a:prstGeom prst="rect">
             <a:avLst/>
           </a:prstGeom>
         </p:spPr>
         <p:txBody>
           <a:bodyPr/>
-          <a:lstStyle>
-            <a:lvl1pPr marL="520700" indent="-520700">
-              <a:lnSpc>
-                <a:spcPct val="120000"/>
-              </a:lnSpc>
-              <a:spcBef>
-                <a:spcPts val="4600"/>
-              </a:spcBef>
-              <a:defRPr sz="4600"/>
-            </a:lvl1pPr>
-            <a:lvl2pPr marL="1041400" indent="-520700">
-              <a:lnSpc>
-                <a:spcPct val="120000"/>
-              </a:lnSpc>
-              <a:spcBef>
-                <a:spcPts val="4600"/>
-              </a:spcBef>
-              <a:defRPr sz="4600"/>
-            </a:lvl2pPr>
-            <a:lvl3pPr marL="1562100" indent="-520700">
-              <a:lnSpc>
-                <a:spcPct val="120000"/>
-              </a:lnSpc>
-              <a:spcBef>
-                <a:spcPts val="4600"/>
-              </a:spcBef>
-              <a:defRPr sz="4600"/>
-            </a:lvl3pPr>
-            <a:lvl4pPr marL="2082800" indent="-520700">
-              <a:lnSpc>
-                <a:spcPct val="120000"/>
-              </a:lnSpc>
-              <a:spcBef>
-                <a:spcPts val="4600"/>
-              </a:spcBef>
-              <a:defRPr sz="4600"/>
-            </a:lvl4pPr>
-            <a:lvl5pPr marL="2603500" indent="-520700">
-              <a:lnSpc>
-                <a:spcPct val="120000"/>
-              </a:lnSpc>
-              <a:spcBef>
-                <a:spcPts val="4600"/>
-              </a:spcBef>
-              <a:defRPr sz="4600"/>
-            </a:lvl5pPr>
-          </a:lstStyle>
+          <a:lstStyle/>
           <a:p>
             <a:pPr/>
             <a:r>
@@ -1928,8 +1960,8 @@
         </p:nvSpPr>
         <p:spPr>
           <a:xfrm>
-            <a:off x="6654800" y="5029200"/>
-            <a:ext cx="5803900" cy="4216400"/>
+            <a:off x="6616700" y="4991100"/>
+            <a:ext cx="4352926" cy="3162301"/>
           </a:xfrm>
           <a:prstGeom prst="rect">
             <a:avLst/>
@@ -1955,8 +1987,8 @@
         </p:nvSpPr>
         <p:spPr>
           <a:xfrm>
-            <a:off x="6664613" y="508000"/>
-            <a:ext cx="5803901" cy="4216400"/>
+            <a:off x="6624060" y="1600199"/>
+            <a:ext cx="4352926" cy="3162301"/>
           </a:xfrm>
           <a:prstGeom prst="rect">
             <a:avLst/>
@@ -1977,13 +2009,13 @@
           <p:cNvPr id="85" name="Shape 85"/>
           <p:cNvSpPr/>
           <p:nvPr>
-            <p:ph type="pic" idx="15"/>
+            <p:ph type="pic" sz="half" idx="15"/>
           </p:nvPr>
         </p:nvSpPr>
         <p:spPr>
           <a:xfrm>
-            <a:off x="533400" y="508000"/>
-            <a:ext cx="5808231" cy="8737600"/>
+            <a:off x="2025649" y="1600199"/>
+            <a:ext cx="4356175" cy="6553202"/>
           </a:xfrm>
           <a:prstGeom prst="rect">
             <a:avLst/>
@@ -2063,18 +2095,18 @@
           <p:cNvPr id="2" name="Shape 2"/>
           <p:cNvSpPr/>
           <p:nvPr>
-            <p:ph type="title"/>
+            <p:ph type="body" idx="1"/>
           </p:nvPr>
         </p:nvSpPr>
         <p:spPr>
           <a:xfrm>
-            <a:off x="355600" y="254000"/>
-            <a:ext cx="12293600" cy="2438400"/>
+            <a:off x="2197099" y="1790699"/>
+            <a:ext cx="8601077" cy="6162677"/>
           </a:xfrm>
           <a:prstGeom prst="rect">
             <a:avLst/>
           </a:prstGeom>
-          <a:ln w="12700">
+          <a:ln w="3175">
             <a:miter lim="400000"/>
           </a:ln>
           <a:extLst>
@@ -2084,14 +2116,38 @@
           </a:extLst>
         </p:spPr>
         <p:txBody>
-          <a:bodyPr lIns="50800" tIns="50800" rIns="50800" bIns="50800" anchor="ctr">
+          <a:bodyPr lIns="38100" tIns="38100" rIns="38100" bIns="38100" anchor="ctr">
             <a:normAutofit fontScale="100000" lnSpcReduction="0"/>
           </a:bodyPr>
           <a:lstStyle/>
           <a:p>
             <a:pPr/>
             <a:r>
-              <a:t>Texto del título</a:t>
+              <a:t>Nivel de texto 1</a:t>
+            </a:r>
+          </a:p>
+          <a:p>
+            <a:pPr lvl="1"/>
+            <a:r>
+              <a:t>Nivel de texto 2</a:t>
+            </a:r>
+          </a:p>
+          <a:p>
+            <a:pPr lvl="2"/>
+            <a:r>
+              <a:t>Nivel de texto 3</a:t>
+            </a:r>
+          </a:p>
+          <a:p>
+            <a:pPr lvl="3"/>
+            <a:r>
+              <a:t>Nivel de texto 4</a:t>
+            </a:r>
+          </a:p>
+          <a:p>
+            <a:pPr lvl="4"/>
+            <a:r>
+              <a:t>Nivel de texto 5</a:t>
             </a:r>
           </a:p>
         </p:txBody>
@@ -2101,18 +2157,18 @@
           <p:cNvPr id="3" name="Shape 3"/>
           <p:cNvSpPr/>
           <p:nvPr>
-            <p:ph type="body" idx="1"/>
+            <p:ph type="title"/>
           </p:nvPr>
         </p:nvSpPr>
         <p:spPr>
           <a:xfrm>
-            <a:off x="355600" y="2730500"/>
-            <a:ext cx="12293600" cy="6299200"/>
+            <a:off x="1892299" y="1409699"/>
+            <a:ext cx="9220202" cy="1828801"/>
           </a:xfrm>
           <a:prstGeom prst="rect">
             <a:avLst/>
           </a:prstGeom>
-          <a:ln w="12700">
+          <a:ln w="3175">
             <a:miter lim="400000"/>
           </a:ln>
           <a:extLst>
@@ -2122,38 +2178,14 @@
           </a:extLst>
         </p:spPr>
         <p:txBody>
-          <a:bodyPr lIns="50800" tIns="50800" rIns="50800" bIns="50800" anchor="ctr">
+          <a:bodyPr lIns="38100" tIns="38100" rIns="38100" bIns="38100" anchor="ctr">
             <a:normAutofit fontScale="100000" lnSpcReduction="0"/>
           </a:bodyPr>
           <a:lstStyle/>
           <a:p>
             <a:pPr/>
             <a:r>
-              <a:t>Nivel de texto 1</a:t>
-            </a:r>
-          </a:p>
-          <a:p>
-            <a:pPr lvl="1"/>
-            <a:r>
-              <a:t>Nivel de texto 2</a:t>
-            </a:r>
-          </a:p>
-          <a:p>
-            <a:pPr lvl="2"/>
-            <a:r>
-              <a:t>Nivel de texto 3</a:t>
-            </a:r>
-          </a:p>
-          <a:p>
-            <a:pPr lvl="3"/>
-            <a:r>
-              <a:t>Nivel de texto 4</a:t>
-            </a:r>
-          </a:p>
-          <a:p>
-            <a:pPr lvl="4"/>
-            <a:r>
-              <a:t>Nivel de texto 5</a:t>
+              <a:t>Texto del título</a:t>
             </a:r>
           </a:p>
         </p:txBody>
@@ -2168,23 +2200,23 @@
         </p:nvSpPr>
         <p:spPr>
           <a:xfrm>
-            <a:off x="6324599" y="9271000"/>
-            <a:ext cx="342901" cy="355600"/>
+            <a:off x="6351587" y="8172450"/>
+            <a:ext cx="292101" cy="304801"/>
           </a:xfrm>
           <a:prstGeom prst="rect">
             <a:avLst/>
           </a:prstGeom>
-          <a:ln w="12700">
+          <a:ln w="3175">
             <a:miter lim="400000"/>
           </a:ln>
         </p:spPr>
         <p:txBody>
-          <a:bodyPr wrap="none" lIns="50800" tIns="50800" rIns="50800" bIns="50800">
+          <a:bodyPr wrap="none" lIns="38100" tIns="38100" rIns="38100" bIns="38100">
             <a:spAutoFit/>
           </a:bodyPr>
           <a:lstStyle>
             <a:lvl1pPr>
-              <a:defRPr sz="1800"/>
+              <a:defRPr sz="1600"/>
             </a:lvl1pPr>
           </a:lstStyle>
           <a:p>
@@ -2228,7 +2260,7 @@
         <a:buFontTx/>
         <a:buNone/>
         <a:tabLst/>
-        <a:defRPr b="0" baseline="0" cap="all" i="0" spc="0" strike="noStrike" sz="7200" u="none">
+        <a:defRPr b="0" baseline="0" cap="all" i="0" spc="0" strike="noStrike" sz="7000" u="none">
           <a:ln>
             <a:noFill/>
           </a:ln>
@@ -2257,7 +2289,7 @@
         <a:buFontTx/>
         <a:buNone/>
         <a:tabLst/>
-        <a:defRPr b="0" baseline="0" cap="all" i="0" spc="0" strike="noStrike" sz="7200" u="none">
+        <a:defRPr b="0" baseline="0" cap="all" i="0" spc="0" strike="noStrike" sz="7000" u="none">
           <a:ln>
             <a:noFill/>
           </a:ln>
@@ -2286,7 +2318,7 @@
         <a:buFontTx/>
         <a:buNone/>
         <a:tabLst/>
-        <a:defRPr b="0" baseline="0" cap="all" i="0" spc="0" strike="noStrike" sz="7200" u="none">
+        <a:defRPr b="0" baseline="0" cap="all" i="0" spc="0" strike="noStrike" sz="7000" u="none">
           <a:ln>
             <a:noFill/>
           </a:ln>
@@ -2315,7 +2347,7 @@
         <a:buFontTx/>
         <a:buNone/>
         <a:tabLst/>
-        <a:defRPr b="0" baseline="0" cap="all" i="0" spc="0" strike="noStrike" sz="7200" u="none">
+        <a:defRPr b="0" baseline="0" cap="all" i="0" spc="0" strike="noStrike" sz="7000" u="none">
           <a:ln>
             <a:noFill/>
           </a:ln>
@@ -2344,7 +2376,7 @@
         <a:buFontTx/>
         <a:buNone/>
         <a:tabLst/>
-        <a:defRPr b="0" baseline="0" cap="all" i="0" spc="0" strike="noStrike" sz="7200" u="none">
+        <a:defRPr b="0" baseline="0" cap="all" i="0" spc="0" strike="noStrike" sz="7000" u="none">
           <a:ln>
             <a:noFill/>
           </a:ln>
@@ -2373,7 +2405,7 @@
         <a:buFontTx/>
         <a:buNone/>
         <a:tabLst/>
-        <a:defRPr b="0" baseline="0" cap="all" i="0" spc="0" strike="noStrike" sz="7200" u="none">
+        <a:defRPr b="0" baseline="0" cap="all" i="0" spc="0" strike="noStrike" sz="7000" u="none">
           <a:ln>
             <a:noFill/>
           </a:ln>
@@ -2402,7 +2434,7 @@
         <a:buFontTx/>
         <a:buNone/>
         <a:tabLst/>
-        <a:defRPr b="0" baseline="0" cap="all" i="0" spc="0" strike="noStrike" sz="7200" u="none">
+        <a:defRPr b="0" baseline="0" cap="all" i="0" spc="0" strike="noStrike" sz="7000" u="none">
           <a:ln>
             <a:noFill/>
           </a:ln>
@@ -2431,7 +2463,7 @@
         <a:buFontTx/>
         <a:buNone/>
         <a:tabLst/>
-        <a:defRPr b="0" baseline="0" cap="all" i="0" spc="0" strike="noStrike" sz="7200" u="none">
+        <a:defRPr b="0" baseline="0" cap="all" i="0" spc="0" strike="noStrike" sz="7000" u="none">
           <a:ln>
             <a:noFill/>
           </a:ln>
@@ -2460,7 +2492,7 @@
         <a:buFontTx/>
         <a:buNone/>
         <a:tabLst/>
-        <a:defRPr b="0" baseline="0" cap="all" i="0" spc="0" strike="noStrike" sz="7200" u="none">
+        <a:defRPr b="0" baseline="0" cap="all" i="0" spc="0" strike="noStrike" sz="7000" u="none">
           <a:ln>
             <a:noFill/>
           </a:ln>
@@ -2476,12 +2508,12 @@
       </a:lvl9pPr>
     </p:titleStyle>
     <p:bodyStyle>
-      <a:lvl1pPr marL="431800" marR="0" indent="-431800" algn="l" defTabSz="584200" rtl="0" latinLnBrk="0">
+      <a:lvl1pPr marL="498060" marR="0" indent="-498060" algn="l" defTabSz="584200" rtl="0" latinLnBrk="0">
         <a:lnSpc>
-          <a:spcPct val="100000"/>
+          <a:spcPct val="150000"/>
         </a:lnSpc>
         <a:spcBef>
-          <a:spcPts val="3800"/>
+          <a:spcPts val="4600"/>
         </a:spcBef>
         <a:spcAft>
           <a:spcPts val="0"/>
@@ -2489,9 +2521,9 @@
         <a:buClrTx/>
         <a:buSzPct val="82000"/>
         <a:buFontTx/>
-        <a:buChar char="•"/>
+        <a:buChar char="-"/>
         <a:tabLst/>
-        <a:defRPr b="0" baseline="0" cap="none" i="0" spc="0" strike="noStrike" sz="3800" u="none">
+        <a:defRPr b="0" baseline="0" cap="none" i="0" spc="0" strike="noStrike" sz="4400" u="none">
           <a:ln>
             <a:noFill/>
           </a:ln>
@@ -2505,12 +2537,12 @@
           <a:sym typeface="Gill Sans Light"/>
         </a:defRPr>
       </a:lvl1pPr>
-      <a:lvl2pPr marL="863600" marR="0" indent="-431800" algn="l" defTabSz="584200" rtl="0" latinLnBrk="0">
+      <a:lvl2pPr marL="1018760" marR="0" indent="-498060" algn="l" defTabSz="584200" rtl="0" latinLnBrk="0">
         <a:lnSpc>
-          <a:spcPct val="100000"/>
+          <a:spcPct val="150000"/>
         </a:lnSpc>
         <a:spcBef>
-          <a:spcPts val="3800"/>
+          <a:spcPts val="4600"/>
         </a:spcBef>
         <a:spcAft>
           <a:spcPts val="0"/>
@@ -2518,9 +2550,9 @@
         <a:buClrTx/>
         <a:buSzPct val="82000"/>
         <a:buFontTx/>
-        <a:buChar char="•"/>
+        <a:buChar char="-"/>
         <a:tabLst/>
-        <a:defRPr b="0" baseline="0" cap="none" i="0" spc="0" strike="noStrike" sz="3800" u="none">
+        <a:defRPr b="0" baseline="0" cap="none" i="0" spc="0" strike="noStrike" sz="4400" u="none">
           <a:ln>
             <a:noFill/>
           </a:ln>
@@ -2534,12 +2566,12 @@
           <a:sym typeface="Gill Sans Light"/>
         </a:defRPr>
       </a:lvl2pPr>
-      <a:lvl3pPr marL="1295400" marR="0" indent="-431800" algn="l" defTabSz="584200" rtl="0" latinLnBrk="0">
+      <a:lvl3pPr marL="1539460" marR="0" indent="-498060" algn="l" defTabSz="584200" rtl="0" latinLnBrk="0">
         <a:lnSpc>
-          <a:spcPct val="100000"/>
+          <a:spcPct val="150000"/>
         </a:lnSpc>
         <a:spcBef>
-          <a:spcPts val="3800"/>
+          <a:spcPts val="4600"/>
         </a:spcBef>
         <a:spcAft>
           <a:spcPts val="0"/>
@@ -2547,9 +2579,9 @@
         <a:buClrTx/>
         <a:buSzPct val="82000"/>
         <a:buFontTx/>
-        <a:buChar char="•"/>
+        <a:buChar char="-"/>
         <a:tabLst/>
-        <a:defRPr b="0" baseline="0" cap="none" i="0" spc="0" strike="noStrike" sz="3800" u="none">
+        <a:defRPr b="0" baseline="0" cap="none" i="0" spc="0" strike="noStrike" sz="4400" u="none">
           <a:ln>
             <a:noFill/>
           </a:ln>
@@ -2563,12 +2595,12 @@
           <a:sym typeface="Gill Sans Light"/>
         </a:defRPr>
       </a:lvl3pPr>
-      <a:lvl4pPr marL="1727200" marR="0" indent="-431800" algn="l" defTabSz="584200" rtl="0" latinLnBrk="0">
+      <a:lvl4pPr marL="2060160" marR="0" indent="-498060" algn="l" defTabSz="584200" rtl="0" latinLnBrk="0">
         <a:lnSpc>
-          <a:spcPct val="100000"/>
+          <a:spcPct val="150000"/>
         </a:lnSpc>
         <a:spcBef>
-          <a:spcPts val="3800"/>
+          <a:spcPts val="4600"/>
         </a:spcBef>
         <a:spcAft>
           <a:spcPts val="0"/>
@@ -2576,9 +2608,9 @@
         <a:buClrTx/>
         <a:buSzPct val="82000"/>
         <a:buFontTx/>
-        <a:buChar char="•"/>
+        <a:buChar char="-"/>
         <a:tabLst/>
-        <a:defRPr b="0" baseline="0" cap="none" i="0" spc="0" strike="noStrike" sz="3800" u="none">
+        <a:defRPr b="0" baseline="0" cap="none" i="0" spc="0" strike="noStrike" sz="4400" u="none">
           <a:ln>
             <a:noFill/>
           </a:ln>
@@ -2592,12 +2624,12 @@
           <a:sym typeface="Gill Sans Light"/>
         </a:defRPr>
       </a:lvl4pPr>
-      <a:lvl5pPr marL="2159000" marR="0" indent="-431800" algn="l" defTabSz="584200" rtl="0" latinLnBrk="0">
+      <a:lvl5pPr marL="2580860" marR="0" indent="-498060" algn="l" defTabSz="584200" rtl="0" latinLnBrk="0">
         <a:lnSpc>
-          <a:spcPct val="100000"/>
+          <a:spcPct val="150000"/>
         </a:lnSpc>
         <a:spcBef>
-          <a:spcPts val="3800"/>
+          <a:spcPts val="4600"/>
         </a:spcBef>
         <a:spcAft>
           <a:spcPts val="0"/>
@@ -2605,9 +2637,9 @@
         <a:buClrTx/>
         <a:buSzPct val="82000"/>
         <a:buFontTx/>
-        <a:buChar char="•"/>
+        <a:buChar char="-"/>
         <a:tabLst/>
-        <a:defRPr b="0" baseline="0" cap="none" i="0" spc="0" strike="noStrike" sz="3800" u="none">
+        <a:defRPr b="0" baseline="0" cap="none" i="0" spc="0" strike="noStrike" sz="4400" u="none">
           <a:ln>
             <a:noFill/>
           </a:ln>
@@ -2621,12 +2653,12 @@
           <a:sym typeface="Gill Sans Light"/>
         </a:defRPr>
       </a:lvl5pPr>
-      <a:lvl6pPr marL="2590800" marR="0" indent="-431800" algn="l" defTabSz="584200" rtl="0" latinLnBrk="0">
+      <a:lvl6pPr marL="3101560" marR="0" indent="-498060" algn="l" defTabSz="584200" rtl="0" latinLnBrk="0">
         <a:lnSpc>
-          <a:spcPct val="100000"/>
+          <a:spcPct val="150000"/>
         </a:lnSpc>
         <a:spcBef>
-          <a:spcPts val="3800"/>
+          <a:spcPts val="4600"/>
         </a:spcBef>
         <a:spcAft>
           <a:spcPts val="0"/>
@@ -2634,9 +2666,9 @@
         <a:buClrTx/>
         <a:buSzPct val="82000"/>
         <a:buFontTx/>
-        <a:buChar char="•"/>
+        <a:buChar char="-"/>
         <a:tabLst/>
-        <a:defRPr b="0" baseline="0" cap="none" i="0" spc="0" strike="noStrike" sz="3800" u="none">
+        <a:defRPr b="0" baseline="0" cap="none" i="0" spc="0" strike="noStrike" sz="4400" u="none">
           <a:ln>
             <a:noFill/>
           </a:ln>
@@ -2650,12 +2682,12 @@
           <a:sym typeface="Gill Sans Light"/>
         </a:defRPr>
       </a:lvl6pPr>
-      <a:lvl7pPr marL="3022600" marR="0" indent="-431800" algn="l" defTabSz="584200" rtl="0" latinLnBrk="0">
+      <a:lvl7pPr marL="3622261" marR="0" indent="-498061" algn="l" defTabSz="584200" rtl="0" latinLnBrk="0">
         <a:lnSpc>
-          <a:spcPct val="100000"/>
+          <a:spcPct val="150000"/>
         </a:lnSpc>
         <a:spcBef>
-          <a:spcPts val="3800"/>
+          <a:spcPts val="4600"/>
         </a:spcBef>
         <a:spcAft>
           <a:spcPts val="0"/>
@@ -2663,9 +2695,9 @@
         <a:buClrTx/>
         <a:buSzPct val="82000"/>
         <a:buFontTx/>
-        <a:buChar char="•"/>
+        <a:buChar char="-"/>
         <a:tabLst/>
-        <a:defRPr b="0" baseline="0" cap="none" i="0" spc="0" strike="noStrike" sz="3800" u="none">
+        <a:defRPr b="0" baseline="0" cap="none" i="0" spc="0" strike="noStrike" sz="4400" u="none">
           <a:ln>
             <a:noFill/>
           </a:ln>
@@ -2679,12 +2711,12 @@
           <a:sym typeface="Gill Sans Light"/>
         </a:defRPr>
       </a:lvl7pPr>
-      <a:lvl8pPr marL="3454400" marR="0" indent="-431800" algn="l" defTabSz="584200" rtl="0" latinLnBrk="0">
+      <a:lvl8pPr marL="4142961" marR="0" indent="-498061" algn="l" defTabSz="584200" rtl="0" latinLnBrk="0">
         <a:lnSpc>
-          <a:spcPct val="100000"/>
+          <a:spcPct val="150000"/>
         </a:lnSpc>
         <a:spcBef>
-          <a:spcPts val="3800"/>
+          <a:spcPts val="4600"/>
         </a:spcBef>
         <a:spcAft>
           <a:spcPts val="0"/>
@@ -2692,9 +2724,9 @@
         <a:buClrTx/>
         <a:buSzPct val="82000"/>
         <a:buFontTx/>
-        <a:buChar char="•"/>
+        <a:buChar char="-"/>
         <a:tabLst/>
-        <a:defRPr b="0" baseline="0" cap="none" i="0" spc="0" strike="noStrike" sz="3800" u="none">
+        <a:defRPr b="0" baseline="0" cap="none" i="0" spc="0" strike="noStrike" sz="4400" u="none">
           <a:ln>
             <a:noFill/>
           </a:ln>
@@ -2708,12 +2740,12 @@
           <a:sym typeface="Gill Sans Light"/>
         </a:defRPr>
       </a:lvl8pPr>
-      <a:lvl9pPr marL="3886200" marR="0" indent="-431800" algn="l" defTabSz="584200" rtl="0" latinLnBrk="0">
+      <a:lvl9pPr marL="4663661" marR="0" indent="-498061" algn="l" defTabSz="584200" rtl="0" latinLnBrk="0">
         <a:lnSpc>
-          <a:spcPct val="100000"/>
+          <a:spcPct val="150000"/>
         </a:lnSpc>
         <a:spcBef>
-          <a:spcPts val="3800"/>
+          <a:spcPts val="4600"/>
         </a:spcBef>
         <a:spcAft>
           <a:spcPts val="0"/>
@@ -2721,9 +2753,9 @@
         <a:buClrTx/>
         <a:buSzPct val="82000"/>
         <a:buFontTx/>
-        <a:buChar char="•"/>
+        <a:buChar char="-"/>
         <a:tabLst/>
-        <a:defRPr b="0" baseline="0" cap="none" i="0" spc="0" strike="noStrike" sz="3800" u="none">
+        <a:defRPr b="0" baseline="0" cap="none" i="0" spc="0" strike="noStrike" sz="4400" u="none">
           <a:ln>
             <a:noFill/>
           </a:ln>
@@ -2754,7 +2786,7 @@
         <a:buFontTx/>
         <a:buNone/>
         <a:tabLst/>
-        <a:defRPr b="0" baseline="0" cap="none" i="0" spc="0" strike="noStrike" sz="1800" u="none">
+        <a:defRPr b="0" baseline="0" cap="none" i="0" spc="0" strike="noStrike" sz="1600" u="none">
           <a:ln>
             <a:noFill/>
           </a:ln>
@@ -2783,7 +2815,7 @@
         <a:buFontTx/>
         <a:buNone/>
         <a:tabLst/>
-        <a:defRPr b="0" baseline="0" cap="none" i="0" spc="0" strike="noStrike" sz="1800" u="none">
+        <a:defRPr b="0" baseline="0" cap="none" i="0" spc="0" strike="noStrike" sz="1600" u="none">
           <a:ln>
             <a:noFill/>
           </a:ln>
@@ -2812,7 +2844,7 @@
         <a:buFontTx/>
         <a:buNone/>
         <a:tabLst/>
-        <a:defRPr b="0" baseline="0" cap="none" i="0" spc="0" strike="noStrike" sz="1800" u="none">
+        <a:defRPr b="0" baseline="0" cap="none" i="0" spc="0" strike="noStrike" sz="1600" u="none">
           <a:ln>
             <a:noFill/>
           </a:ln>
@@ -2841,7 +2873,7 @@
         <a:buFontTx/>
         <a:buNone/>
         <a:tabLst/>
-        <a:defRPr b="0" baseline="0" cap="none" i="0" spc="0" strike="noStrike" sz="1800" u="none">
+        <a:defRPr b="0" baseline="0" cap="none" i="0" spc="0" strike="noStrike" sz="1600" u="none">
           <a:ln>
             <a:noFill/>
           </a:ln>
@@ -2870,7 +2902,7 @@
         <a:buFontTx/>
         <a:buNone/>
         <a:tabLst/>
-        <a:defRPr b="0" baseline="0" cap="none" i="0" spc="0" strike="noStrike" sz="1800" u="none">
+        <a:defRPr b="0" baseline="0" cap="none" i="0" spc="0" strike="noStrike" sz="1600" u="none">
           <a:ln>
             <a:noFill/>
           </a:ln>
@@ -2899,7 +2931,7 @@
         <a:buFontTx/>
         <a:buNone/>
         <a:tabLst/>
-        <a:defRPr b="0" baseline="0" cap="none" i="0" spc="0" strike="noStrike" sz="1800" u="none">
+        <a:defRPr b="0" baseline="0" cap="none" i="0" spc="0" strike="noStrike" sz="1600" u="none">
           <a:ln>
             <a:noFill/>
           </a:ln>
@@ -2928,7 +2960,7 @@
         <a:buFontTx/>
         <a:buNone/>
         <a:tabLst/>
-        <a:defRPr b="0" baseline="0" cap="none" i="0" spc="0" strike="noStrike" sz="1800" u="none">
+        <a:defRPr b="0" baseline="0" cap="none" i="0" spc="0" strike="noStrike" sz="1600" u="none">
           <a:ln>
             <a:noFill/>
           </a:ln>
@@ -2957,7 +2989,7 @@
         <a:buFontTx/>
         <a:buNone/>
         <a:tabLst/>
-        <a:defRPr b="0" baseline="0" cap="none" i="0" spc="0" strike="noStrike" sz="1800" u="none">
+        <a:defRPr b="0" baseline="0" cap="none" i="0" spc="0" strike="noStrike" sz="1600" u="none">
           <a:ln>
             <a:noFill/>
           </a:ln>
@@ -2986,7 +3018,7 @@
         <a:buFontTx/>
         <a:buNone/>
         <a:tabLst/>
-        <a:defRPr b="0" baseline="0" cap="none" i="0" spc="0" strike="noStrike" sz="1800" u="none">
+        <a:defRPr b="0" baseline="0" cap="none" i="0" spc="0" strike="noStrike" sz="1600" u="none">
           <a:ln>
             <a:noFill/>
           </a:ln>
@@ -3008,6 +3040,13 @@
 <file path=ppt/slides/slide1.xml><?xml version="1.0" encoding="utf-8"?>
 <p:sld xmlns:a="http://schemas.openxmlformats.org/drawingml/2006/main" xmlns:r="http://schemas.openxmlformats.org/officeDocument/2006/relationships" xmlns:p="http://schemas.openxmlformats.org/presentationml/2006/main" showMasterSp="1" showMasterPhAnim="1">
   <p:cSld>
+    <p:bg>
+      <p:bgPr>
+        <a:solidFill>
+          <a:srgbClr val="FFFFFF"/>
+        </a:solidFill>
+      </p:bgPr>
+    </p:bg>
     <p:spTree>
       <p:nvGrpSpPr>
         <p:cNvPr id="1" name=""/>
@@ -3043,8 +3082,8 @@
         </p:blipFill>
         <p:spPr>
           <a:xfrm>
-            <a:off x="1308100" y="825500"/>
-            <a:ext cx="10388600" cy="5860236"/>
+            <a:off x="2606674" y="1838324"/>
+            <a:ext cx="7791452" cy="4395178"/>
           </a:xfrm>
           <a:prstGeom prst="rect">
             <a:avLst/>
@@ -3061,9 +3100,70 @@
         </p:nvSpPr>
         <p:spPr>
           <a:xfrm>
-            <a:off x="1270000" y="7264400"/>
-            <a:ext cx="10464800" cy="1282700"/>
+            <a:off x="2578099" y="6667500"/>
+            <a:ext cx="7848602" cy="962026"/>
           </a:xfrm>
+          <a:prstGeom prst="rect">
+            <a:avLst/>
+          </a:prstGeom>
+        </p:spPr>
+        <p:txBody>
+          <a:bodyPr/>
+          <a:lstStyle>
+            <a:lvl1pPr defTabSz="514095">
+              <a:defRPr sz="6160"/>
+            </a:lvl1pPr>
+          </a:lstStyle>
+          <a:p>
+            <a:pPr/>
+            <a:r>
+              <a:t>CSS: FLEXBOX &amp; GRID</a:t>
+            </a:r>
+          </a:p>
+        </p:txBody>
+      </p:sp>
+    </p:spTree>
+  </p:cSld>
+  <p:clrMapOvr>
+    <a:masterClrMapping/>
+  </p:clrMapOvr>
+  <p:transition xmlns:p14="http://schemas.microsoft.com/office/powerpoint/2010/main" spd="med" advClick="1"/>
+</p:sld>
+</file>
+
+<file path=ppt/slides/slide10.xml><?xml version="1.0" encoding="utf-8"?>
+<p:sld xmlns:a="http://schemas.openxmlformats.org/drawingml/2006/main" xmlns:r="http://schemas.openxmlformats.org/officeDocument/2006/relationships" xmlns:p="http://schemas.openxmlformats.org/presentationml/2006/main" showMasterSp="1" showMasterPhAnim="1">
+  <p:cSld>
+    <p:bg>
+      <p:bgPr>
+        <a:solidFill>
+          <a:srgbClr val="FFFFFF"/>
+        </a:solidFill>
+      </p:bgPr>
+    </p:bg>
+    <p:spTree>
+      <p:nvGrpSpPr>
+        <p:cNvPr id="1" name=""/>
+        <p:cNvGrpSpPr/>
+        <p:nvPr/>
+      </p:nvGrpSpPr>
+      <p:grpSpPr>
+        <a:xfrm>
+          <a:off x="0" y="0"/>
+          <a:ext cx="0" cy="0"/>
+          <a:chOff x="0" y="0"/>
+          <a:chExt cx="0" cy="0"/>
+        </a:xfrm>
+      </p:grpSpPr>
+      <p:sp>
+        <p:nvSpPr>
+          <p:cNvPr id="156" name="Shape 156"/>
+          <p:cNvSpPr/>
+          <p:nvPr>
+            <p:ph type="title"/>
+          </p:nvPr>
+        </p:nvSpPr>
+        <p:spPr>
           <a:prstGeom prst="rect">
             <a:avLst/>
           </a:prstGeom>
@@ -3074,7 +3174,1596 @@
           <a:p>
             <a:pPr/>
             <a:r>
-              <a:t>CSS: FLEXBOX &amp; GRID</a:t>
+              <a:t>¿PUEDO USARLO?</a:t>
+            </a:r>
+          </a:p>
+        </p:txBody>
+      </p:sp>
+      <p:sp>
+        <p:nvSpPr>
+          <p:cNvPr id="157" name="Shape 157"/>
+          <p:cNvSpPr/>
+          <p:nvPr>
+            <p:ph type="body" sz="quarter" idx="1"/>
+          </p:nvPr>
+        </p:nvSpPr>
+        <p:spPr>
+          <a:xfrm>
+            <a:off x="1892299" y="3267074"/>
+            <a:ext cx="9220202" cy="876078"/>
+          </a:xfrm>
+          <a:prstGeom prst="rect">
+            <a:avLst/>
+          </a:prstGeom>
+        </p:spPr>
+        <p:txBody>
+          <a:bodyPr/>
+          <a:lstStyle/>
+          <a:p>
+            <a:pPr/>
+            <a:r>
+              <a:t>Sí (con cuidado)</a:t>
+            </a:r>
+          </a:p>
+        </p:txBody>
+      </p:sp>
+      <p:pic>
+        <p:nvPicPr>
+          <p:cNvPr id="158" name="Captura de pantalla 2017-02-20 a las 19.21.18.png"/>
+          <p:cNvPicPr>
+            <a:picLocks noChangeAspect="1"/>
+          </p:cNvPicPr>
+          <p:nvPr/>
+        </p:nvPicPr>
+        <p:blipFill>
+          <a:blip r:embed="rId2">
+            <a:extLst/>
+          </a:blip>
+          <a:stretch>
+            <a:fillRect/>
+          </a:stretch>
+        </p:blipFill>
+        <p:spPr>
+          <a:xfrm>
+            <a:off x="1974193" y="4086001"/>
+            <a:ext cx="9056414" cy="2038237"/>
+          </a:xfrm>
+          <a:prstGeom prst="rect">
+            <a:avLst/>
+          </a:prstGeom>
+          <a:ln w="3175">
+            <a:miter lim="400000"/>
+          </a:ln>
+        </p:spPr>
+      </p:pic>
+      <p:pic>
+        <p:nvPicPr>
+          <p:cNvPr id="159" name="Captura de pantalla 2017-02-20 a las 19.22.39.png"/>
+          <p:cNvPicPr>
+            <a:picLocks noChangeAspect="1"/>
+          </p:cNvPicPr>
+          <p:nvPr/>
+        </p:nvPicPr>
+        <p:blipFill>
+          <a:blip r:embed="rId3">
+            <a:extLst/>
+          </a:blip>
+          <a:stretch>
+            <a:fillRect/>
+          </a:stretch>
+        </p:blipFill>
+        <p:spPr>
+          <a:xfrm>
+            <a:off x="2964289" y="6200437"/>
+            <a:ext cx="7275000" cy="2077846"/>
+          </a:xfrm>
+          <a:prstGeom prst="rect">
+            <a:avLst/>
+          </a:prstGeom>
+          <a:ln w="3175">
+            <a:miter lim="400000"/>
+          </a:ln>
+        </p:spPr>
+      </p:pic>
+    </p:spTree>
+  </p:cSld>
+  <p:clrMapOvr>
+    <a:masterClrMapping/>
+  </p:clrMapOvr>
+  <p:transition xmlns:p14="http://schemas.microsoft.com/office/powerpoint/2010/main" spd="med" advClick="1"/>
+  <p:timing>
+    <p:tnLst>
+      <p:par>
+        <p:cTn id="1" nodeType="tmRoot" restart="never" dur="indefinite" fill="hold">
+          <p:childTnLst>
+            <p:seq concurrent="1" prevAc="none" nextAc="seek">
+              <p:cTn id="2" nodeType="mainSeq" dur="indefinite" fill="hold">
+                <p:childTnLst>
+                  <p:par>
+                    <p:cTn id="3" fill="hold">
+                      <p:stCondLst>
+                        <p:cond delay="indefinite"/>
+                      </p:stCondLst>
+                      <p:childTnLst>
+                        <p:par>
+                          <p:cTn id="4" fill="hold">
+                            <p:stCondLst>
+                              <p:cond delay="0"/>
+                            </p:stCondLst>
+                            <p:childTnLst>
+                              <p:par>
+                                <p:cTn id="5" presetClass="entr" nodeType="clickEffect" presetSubtype="0" presetID="1" grpId="1" fill="hold">
+                                  <p:stCondLst>
+                                    <p:cond delay="0"/>
+                                  </p:stCondLst>
+                                  <p:iterate type="el" backwards="0">
+                                    <p:tmAbs val="0"/>
+                                  </p:iterate>
+                                  <p:childTnLst>
+                                    <p:set>
+                                      <p:cBhvr>
+                                        <p:cTn id="6" fill="hold"/>
+                                        <p:tgtEl>
+                                          <p:spTgt spid="157"/>
+                                        </p:tgtEl>
+                                        <p:attrNameLst>
+                                          <p:attrName>style.visibility</p:attrName>
+                                        </p:attrNameLst>
+                                      </p:cBhvr>
+                                      <p:to>
+                                        <p:strVal val="visible"/>
+                                      </p:to>
+                                    </p:set>
+                                  </p:childTnLst>
+                                </p:cTn>
+                              </p:par>
+                            </p:childTnLst>
+                          </p:cTn>
+                        </p:par>
+                      </p:childTnLst>
+                    </p:cTn>
+                  </p:par>
+                  <p:par>
+                    <p:cTn id="7" fill="hold">
+                      <p:stCondLst>
+                        <p:cond delay="indefinite"/>
+                      </p:stCondLst>
+                      <p:childTnLst>
+                        <p:par>
+                          <p:cTn id="8" fill="hold">
+                            <p:stCondLst>
+                              <p:cond delay="0"/>
+                            </p:stCondLst>
+                            <p:childTnLst>
+                              <p:par>
+                                <p:cTn id="9" presetClass="entr" nodeType="clickEffect" presetSubtype="0" presetID="1" grpId="2" fill="hold">
+                                  <p:stCondLst>
+                                    <p:cond delay="0"/>
+                                  </p:stCondLst>
+                                  <p:iterate type="el" backwards="0">
+                                    <p:tmAbs val="0"/>
+                                  </p:iterate>
+                                  <p:childTnLst>
+                                    <p:set>
+                                      <p:cBhvr>
+                                        <p:cTn id="10" fill="hold"/>
+                                        <p:tgtEl>
+                                          <p:spTgt spid="158"/>
+                                        </p:tgtEl>
+                                        <p:attrNameLst>
+                                          <p:attrName>style.visibility</p:attrName>
+                                        </p:attrNameLst>
+                                      </p:cBhvr>
+                                      <p:to>
+                                        <p:strVal val="visible"/>
+                                      </p:to>
+                                    </p:set>
+                                  </p:childTnLst>
+                                </p:cTn>
+                              </p:par>
+                            </p:childTnLst>
+                          </p:cTn>
+                        </p:par>
+                      </p:childTnLst>
+                    </p:cTn>
+                  </p:par>
+                  <p:par>
+                    <p:cTn id="11" fill="hold">
+                      <p:stCondLst>
+                        <p:cond delay="indefinite"/>
+                      </p:stCondLst>
+                      <p:childTnLst>
+                        <p:par>
+                          <p:cTn id="12" fill="hold">
+                            <p:stCondLst>
+                              <p:cond delay="0"/>
+                            </p:stCondLst>
+                            <p:childTnLst>
+                              <p:par>
+                                <p:cTn id="13" presetClass="entr" nodeType="clickEffect" presetSubtype="0" presetID="1" grpId="3" fill="hold">
+                                  <p:stCondLst>
+                                    <p:cond delay="0"/>
+                                  </p:stCondLst>
+                                  <p:iterate type="el" backwards="0">
+                                    <p:tmAbs val="0"/>
+                                  </p:iterate>
+                                  <p:childTnLst>
+                                    <p:set>
+                                      <p:cBhvr>
+                                        <p:cTn id="14" fill="hold"/>
+                                        <p:tgtEl>
+                                          <p:spTgt spid="159"/>
+                                        </p:tgtEl>
+                                        <p:attrNameLst>
+                                          <p:attrName>style.visibility</p:attrName>
+                                        </p:attrNameLst>
+                                      </p:cBhvr>
+                                      <p:to>
+                                        <p:strVal val="visible"/>
+                                      </p:to>
+                                    </p:set>
+                                  </p:childTnLst>
+                                </p:cTn>
+                              </p:par>
+                            </p:childTnLst>
+                          </p:cTn>
+                        </p:par>
+                      </p:childTnLst>
+                    </p:cTn>
+                  </p:par>
+                </p:childTnLst>
+              </p:cTn>
+              <p:prevCondLst>
+                <p:cond evt="onPrev">
+                  <p:tgtEl>
+                    <p:sldTgt/>
+                  </p:tgtEl>
+                </p:cond>
+              </p:prevCondLst>
+              <p:nextCondLst>
+                <p:cond evt="onNext">
+                  <p:tgtEl>
+                    <p:sldTgt/>
+                  </p:tgtEl>
+                </p:cond>
+              </p:nextCondLst>
+            </p:seq>
+          </p:childTnLst>
+        </p:cTn>
+      </p:par>
+    </p:tnLst>
+    <p:bldLst>
+      <p:bldP build="whole" bldLvl="1" animBg="1" rev="0" advAuto="0" spid="157" grpId="1"/>
+      <p:bldP build="whole" bldLvl="1" animBg="1" rev="0" advAuto="0" spid="159" grpId="3"/>
+      <p:bldP build="whole" bldLvl="1" animBg="1" rev="0" advAuto="0" spid="158" grpId="2"/>
+    </p:bldLst>
+  </p:timing>
+</p:sld>
+</file>
+
+<file path=ppt/slides/slide11.xml><?xml version="1.0" encoding="utf-8"?>
+<p:sld xmlns:a="http://schemas.openxmlformats.org/drawingml/2006/main" xmlns:r="http://schemas.openxmlformats.org/officeDocument/2006/relationships" xmlns:p="http://schemas.openxmlformats.org/presentationml/2006/main" showMasterSp="1" showMasterPhAnim="1">
+  <p:cSld>
+    <p:bg>
+      <p:bgPr>
+        <a:solidFill>
+          <a:srgbClr val="FFFFFF"/>
+        </a:solidFill>
+      </p:bgPr>
+    </p:bg>
+    <p:spTree>
+      <p:nvGrpSpPr>
+        <p:cNvPr id="1" name=""/>
+        <p:cNvGrpSpPr/>
+        <p:nvPr/>
+      </p:nvGrpSpPr>
+      <p:grpSpPr>
+        <a:xfrm>
+          <a:off x="0" y="0"/>
+          <a:ext cx="0" cy="0"/>
+          <a:chOff x="0" y="0"/>
+          <a:chExt cx="0" cy="0"/>
+        </a:xfrm>
+      </p:grpSpPr>
+      <p:sp>
+        <p:nvSpPr>
+          <p:cNvPr id="161" name="Shape 161"/>
+          <p:cNvSpPr/>
+          <p:nvPr>
+            <p:ph type="title"/>
+          </p:nvPr>
+        </p:nvSpPr>
+        <p:spPr>
+          <a:prstGeom prst="rect">
+            <a:avLst/>
+          </a:prstGeom>
+        </p:spPr>
+        <p:txBody>
+          <a:bodyPr/>
+          <a:lstStyle/>
+          <a:p>
+            <a:pPr defTabSz="496570">
+              <a:defRPr sz="4930"/>
+            </a:pPr>
+            <a:r>
+              <a:t>Propiedades para los padres</a:t>
+            </a:r>
+          </a:p>
+          <a:p>
+            <a:pPr defTabSz="496570">
+              <a:defRPr i="1" sz="3230">
+                <a:latin typeface="Gill Sans"/>
+                <a:ea typeface="Gill Sans"/>
+                <a:cs typeface="Gill Sans"/>
+                <a:sym typeface="Gill Sans"/>
+              </a:defRPr>
+            </a:pPr>
+            <a:r>
+              <a:t>(flex container)</a:t>
+            </a:r>
+          </a:p>
+        </p:txBody>
+      </p:sp>
+      <p:sp>
+        <p:nvSpPr>
+          <p:cNvPr id="162" name="Shape 162"/>
+          <p:cNvSpPr/>
+          <p:nvPr>
+            <p:ph type="body" sz="half" idx="1"/>
+          </p:nvPr>
+        </p:nvSpPr>
+        <p:spPr>
+          <a:prstGeom prst="rect">
+            <a:avLst/>
+          </a:prstGeom>
+        </p:spPr>
+        <p:txBody>
+          <a:bodyPr/>
+          <a:lstStyle/>
+          <a:p>
+            <a:pPr marL="445124" indent="-445124" defTabSz="514095">
+              <a:spcBef>
+                <a:spcPts val="4000"/>
+              </a:spcBef>
+              <a:defRPr sz="2992"/>
+            </a:pPr>
+            <a:r>
+              <a:rPr b="1">
+                <a:latin typeface="Gill Sans"/>
+                <a:ea typeface="Gill Sans"/>
+                <a:cs typeface="Gill Sans"/>
+                <a:sym typeface="Gill Sans"/>
+              </a:rPr>
+              <a:t>display: </a:t>
+            </a:r>
+            <a:r>
+              <a:t>define un contenedor flex</a:t>
+            </a:r>
+          </a:p>
+          <a:p>
+            <a:pPr marL="445124" indent="-445124" defTabSz="514095">
+              <a:spcBef>
+                <a:spcPts val="4000"/>
+              </a:spcBef>
+              <a:defRPr sz="2992"/>
+            </a:pPr>
+            <a:r>
+              <a:rPr b="1">
+                <a:latin typeface="Gill Sans"/>
+                <a:ea typeface="Gill Sans"/>
+                <a:cs typeface="Gill Sans"/>
+                <a:sym typeface="Gill Sans"/>
+              </a:rPr>
+              <a:t>flex-direction:</a:t>
+            </a:r>
+            <a:r>
+              <a:t> define la dirección que tomarán los elementos en el contenedor</a:t>
+            </a:r>
+          </a:p>
+          <a:p>
+            <a:pPr marL="445124" indent="-445124" defTabSz="514095">
+              <a:spcBef>
+                <a:spcPts val="4000"/>
+              </a:spcBef>
+              <a:defRPr sz="2992"/>
+            </a:pPr>
+            <a:r>
+              <a:rPr b="1">
+                <a:latin typeface="Gill Sans"/>
+                <a:ea typeface="Gill Sans"/>
+                <a:cs typeface="Gill Sans"/>
+                <a:sym typeface="Gill Sans"/>
+              </a:rPr>
+              <a:t>flex-wrap:</a:t>
+            </a:r>
+            <a:r>
+              <a:t> distribuye elementos en líneas sucesivas</a:t>
+            </a:r>
+          </a:p>
+          <a:p>
+            <a:pPr marL="445124" indent="-445124" defTabSz="514095">
+              <a:spcBef>
+                <a:spcPts val="4000"/>
+              </a:spcBef>
+              <a:defRPr sz="2992"/>
+            </a:pPr>
+            <a:r>
+              <a:rPr b="1">
+                <a:latin typeface="Gill Sans"/>
+                <a:ea typeface="Gill Sans"/>
+                <a:cs typeface="Gill Sans"/>
+                <a:sym typeface="Gill Sans"/>
+              </a:rPr>
+              <a:t>flex-flow:</a:t>
+            </a:r>
+            <a:r>
+              <a:t> </a:t>
+            </a:r>
+            <a:r>
+              <a:rPr i="1">
+                <a:latin typeface="Gill Sans"/>
+                <a:ea typeface="Gill Sans"/>
+                <a:cs typeface="Gill Sans"/>
+                <a:sym typeface="Gill Sans"/>
+              </a:rPr>
+              <a:t>‘shorthand’</a:t>
+            </a:r>
+            <a:r>
+              <a:t> para las 2 anteriores</a:t>
+            </a:r>
+          </a:p>
+        </p:txBody>
+      </p:sp>
+      <p:pic>
+        <p:nvPicPr>
+          <p:cNvPr id="163" name="Captura de pantalla 2017-02-20 a las 19.39.29.png"/>
+          <p:cNvPicPr>
+            <a:picLocks noChangeAspect="1"/>
+          </p:cNvPicPr>
+          <p:nvPr/>
+        </p:nvPicPr>
+        <p:blipFill>
+          <a:blip r:embed="rId2">
+            <a:extLst/>
+          </a:blip>
+          <a:stretch>
+            <a:fillRect/>
+          </a:stretch>
+        </p:blipFill>
+        <p:spPr>
+          <a:xfrm>
+            <a:off x="8734641" y="6644040"/>
+            <a:ext cx="2498150" cy="946269"/>
+          </a:xfrm>
+          <a:prstGeom prst="rect">
+            <a:avLst/>
+          </a:prstGeom>
+          <a:ln w="3175">
+            <a:miter lim="400000"/>
+          </a:ln>
+        </p:spPr>
+      </p:pic>
+      <p:pic>
+        <p:nvPicPr>
+          <p:cNvPr id="164" name="Captura de pantalla 2017-02-20 a las 19.39.05.png"/>
+          <p:cNvPicPr>
+            <a:picLocks noChangeAspect="1"/>
+          </p:cNvPicPr>
+          <p:nvPr/>
+        </p:nvPicPr>
+        <p:blipFill>
+          <a:blip r:embed="rId3">
+            <a:extLst/>
+          </a:blip>
+          <a:stretch>
+            <a:fillRect/>
+          </a:stretch>
+        </p:blipFill>
+        <p:spPr>
+          <a:xfrm>
+            <a:off x="7944074" y="5212315"/>
+            <a:ext cx="3287191" cy="833920"/>
+          </a:xfrm>
+          <a:prstGeom prst="rect">
+            <a:avLst/>
+          </a:prstGeom>
+          <a:ln w="3175">
+            <a:miter lim="400000"/>
+          </a:ln>
+        </p:spPr>
+      </p:pic>
+    </p:spTree>
+  </p:cSld>
+  <p:clrMapOvr>
+    <a:masterClrMapping/>
+  </p:clrMapOvr>
+  <p:transition xmlns:p14="http://schemas.microsoft.com/office/powerpoint/2010/main" spd="med" advClick="1"/>
+</p:sld>
+</file>
+
+<file path=ppt/slides/slide12.xml><?xml version="1.0" encoding="utf-8"?>
+<p:sld xmlns:a="http://schemas.openxmlformats.org/drawingml/2006/main" xmlns:r="http://schemas.openxmlformats.org/officeDocument/2006/relationships" xmlns:p="http://schemas.openxmlformats.org/presentationml/2006/main" showMasterSp="1" showMasterPhAnim="1">
+  <p:cSld>
+    <p:bg>
+      <p:bgPr>
+        <a:solidFill>
+          <a:srgbClr val="FFFFFF"/>
+        </a:solidFill>
+      </p:bgPr>
+    </p:bg>
+    <p:spTree>
+      <p:nvGrpSpPr>
+        <p:cNvPr id="1" name=""/>
+        <p:cNvGrpSpPr/>
+        <p:nvPr/>
+      </p:nvGrpSpPr>
+      <p:grpSpPr>
+        <a:xfrm>
+          <a:off x="0" y="0"/>
+          <a:ext cx="0" cy="0"/>
+          <a:chOff x="0" y="0"/>
+          <a:chExt cx="0" cy="0"/>
+        </a:xfrm>
+      </p:grpSpPr>
+      <p:sp>
+        <p:nvSpPr>
+          <p:cNvPr id="166" name="Shape 166"/>
+          <p:cNvSpPr/>
+          <p:nvPr>
+            <p:ph type="title"/>
+          </p:nvPr>
+        </p:nvSpPr>
+        <p:spPr>
+          <a:prstGeom prst="rect">
+            <a:avLst/>
+          </a:prstGeom>
+        </p:spPr>
+        <p:txBody>
+          <a:bodyPr/>
+          <a:lstStyle/>
+          <a:p>
+            <a:pPr defTabSz="496570">
+              <a:defRPr sz="4930"/>
+            </a:pPr>
+            <a:r>
+              <a:t>Propiedades para los padres</a:t>
+            </a:r>
+          </a:p>
+          <a:p>
+            <a:pPr defTabSz="496570">
+              <a:defRPr i="1" sz="3230">
+                <a:latin typeface="Gill Sans"/>
+                <a:ea typeface="Gill Sans"/>
+                <a:cs typeface="Gill Sans"/>
+                <a:sym typeface="Gill Sans"/>
+              </a:defRPr>
+            </a:pPr>
+            <a:r>
+              <a:t>(flex container)</a:t>
+            </a:r>
+          </a:p>
+        </p:txBody>
+      </p:sp>
+      <p:sp>
+        <p:nvSpPr>
+          <p:cNvPr id="167" name="Shape 167"/>
+          <p:cNvSpPr/>
+          <p:nvPr>
+            <p:ph type="body" sz="quarter" idx="1"/>
+          </p:nvPr>
+        </p:nvSpPr>
+        <p:spPr>
+          <a:xfrm>
+            <a:off x="1892299" y="3267074"/>
+            <a:ext cx="9220202" cy="2412840"/>
+          </a:xfrm>
+          <a:prstGeom prst="rect">
+            <a:avLst/>
+          </a:prstGeom>
+        </p:spPr>
+        <p:txBody>
+          <a:bodyPr/>
+          <a:lstStyle/>
+          <a:p>
+            <a:pPr marL="318668" indent="-318668" defTabSz="368045">
+              <a:lnSpc>
+                <a:spcPct val="100000"/>
+              </a:lnSpc>
+              <a:spcBef>
+                <a:spcPts val="2800"/>
+              </a:spcBef>
+              <a:defRPr sz="2142"/>
+            </a:pPr>
+            <a:r>
+              <a:rPr b="1">
+                <a:latin typeface="Gill Sans"/>
+                <a:ea typeface="Gill Sans"/>
+                <a:cs typeface="Gill Sans"/>
+                <a:sym typeface="Gill Sans"/>
+              </a:rPr>
+              <a:t>justify-content: </a:t>
+            </a:r>
+            <a:r>
+              <a:t>define la manera de alinear elementos en el eje principal</a:t>
+            </a:r>
+          </a:p>
+          <a:p>
+            <a:pPr marL="318668" indent="-318668" defTabSz="368045">
+              <a:lnSpc>
+                <a:spcPct val="100000"/>
+              </a:lnSpc>
+              <a:spcBef>
+                <a:spcPts val="2800"/>
+              </a:spcBef>
+              <a:defRPr sz="2142"/>
+            </a:pPr>
+            <a:r>
+              <a:rPr b="1">
+                <a:latin typeface="Gill Sans"/>
+                <a:ea typeface="Gill Sans"/>
+                <a:cs typeface="Gill Sans"/>
+                <a:sym typeface="Gill Sans"/>
+              </a:rPr>
+              <a:t>align-items:</a:t>
+            </a:r>
+            <a:r>
+              <a:t> define la manera de alinear los elementos en el eje perpendicular y la línea actual</a:t>
+            </a:r>
+          </a:p>
+          <a:p>
+            <a:pPr marL="318668" indent="-318668" defTabSz="368045">
+              <a:lnSpc>
+                <a:spcPct val="100000"/>
+              </a:lnSpc>
+              <a:spcBef>
+                <a:spcPts val="2800"/>
+              </a:spcBef>
+              <a:defRPr sz="2142"/>
+            </a:pPr>
+            <a:r>
+              <a:rPr b="1">
+                <a:latin typeface="Gill Sans"/>
+                <a:ea typeface="Gill Sans"/>
+                <a:cs typeface="Gill Sans"/>
+                <a:sym typeface="Gill Sans"/>
+              </a:rPr>
+              <a:t>align-content:</a:t>
+            </a:r>
+            <a:r>
+              <a:t> define la manera de alinear los elementos de todo el contenedor en el eje perpendicular</a:t>
+            </a:r>
+          </a:p>
+        </p:txBody>
+      </p:sp>
+      <p:pic>
+        <p:nvPicPr>
+          <p:cNvPr id="168" name="Captura de pantalla 2017-02-20 a las 19.42.36.png"/>
+          <p:cNvPicPr>
+            <a:picLocks noChangeAspect="1"/>
+          </p:cNvPicPr>
+          <p:nvPr/>
+        </p:nvPicPr>
+        <p:blipFill>
+          <a:blip r:embed="rId2">
+            <a:extLst/>
+          </a:blip>
+          <a:stretch>
+            <a:fillRect/>
+          </a:stretch>
+        </p:blipFill>
+        <p:spPr>
+          <a:xfrm>
+            <a:off x="2464142" y="5932703"/>
+            <a:ext cx="1964182" cy="2192848"/>
+          </a:xfrm>
+          <a:prstGeom prst="rect">
+            <a:avLst/>
+          </a:prstGeom>
+          <a:ln w="3175">
+            <a:miter lim="400000"/>
+          </a:ln>
+        </p:spPr>
+      </p:pic>
+      <p:pic>
+        <p:nvPicPr>
+          <p:cNvPr id="169" name="Captura de pantalla 2017-02-20 a las 19.42.52.png"/>
+          <p:cNvPicPr>
+            <a:picLocks noChangeAspect="1"/>
+          </p:cNvPicPr>
+          <p:nvPr/>
+        </p:nvPicPr>
+        <p:blipFill>
+          <a:blip r:embed="rId3">
+            <a:extLst/>
+          </a:blip>
+          <a:stretch>
+            <a:fillRect/>
+          </a:stretch>
+        </p:blipFill>
+        <p:spPr>
+          <a:xfrm>
+            <a:off x="5870050" y="5938484"/>
+            <a:ext cx="1906704" cy="2249085"/>
+          </a:xfrm>
+          <a:prstGeom prst="rect">
+            <a:avLst/>
+          </a:prstGeom>
+          <a:ln w="3175">
+            <a:miter lim="400000"/>
+          </a:ln>
+        </p:spPr>
+      </p:pic>
+      <p:pic>
+        <p:nvPicPr>
+          <p:cNvPr id="170" name="Captura de pantalla 2017-02-20 a las 19.43.03.png"/>
+          <p:cNvPicPr>
+            <a:picLocks noChangeAspect="1"/>
+          </p:cNvPicPr>
+          <p:nvPr/>
+        </p:nvPicPr>
+        <p:blipFill>
+          <a:blip r:embed="rId4">
+            <a:extLst/>
+          </a:blip>
+          <a:stretch>
+            <a:fillRect/>
+          </a:stretch>
+        </p:blipFill>
+        <p:spPr>
+          <a:xfrm>
+            <a:off x="9218480" y="5966603"/>
+            <a:ext cx="1879585" cy="2192848"/>
+          </a:xfrm>
+          <a:prstGeom prst="rect">
+            <a:avLst/>
+          </a:prstGeom>
+          <a:ln w="3175">
+            <a:miter lim="400000"/>
+          </a:ln>
+        </p:spPr>
+      </p:pic>
+    </p:spTree>
+  </p:cSld>
+  <p:clrMapOvr>
+    <a:masterClrMapping/>
+  </p:clrMapOvr>
+  <p:transition xmlns:p14="http://schemas.microsoft.com/office/powerpoint/2010/main" spd="med" advClick="1"/>
+</p:sld>
+</file>
+
+<file path=ppt/slides/slide13.xml><?xml version="1.0" encoding="utf-8"?>
+<p:sld xmlns:a="http://schemas.openxmlformats.org/drawingml/2006/main" xmlns:r="http://schemas.openxmlformats.org/officeDocument/2006/relationships" xmlns:p="http://schemas.openxmlformats.org/presentationml/2006/main" showMasterSp="1" showMasterPhAnim="1">
+  <p:cSld>
+    <p:bg>
+      <p:bgPr>
+        <a:solidFill>
+          <a:srgbClr val="FFFFFF"/>
+        </a:solidFill>
+      </p:bgPr>
+    </p:bg>
+    <p:spTree>
+      <p:nvGrpSpPr>
+        <p:cNvPr id="1" name=""/>
+        <p:cNvGrpSpPr/>
+        <p:nvPr/>
+      </p:nvGrpSpPr>
+      <p:grpSpPr>
+        <a:xfrm>
+          <a:off x="0" y="0"/>
+          <a:ext cx="0" cy="0"/>
+          <a:chOff x="0" y="0"/>
+          <a:chExt cx="0" cy="0"/>
+        </a:xfrm>
+      </p:grpSpPr>
+      <p:sp>
+        <p:nvSpPr>
+          <p:cNvPr id="172" name="Shape 172"/>
+          <p:cNvSpPr/>
+          <p:nvPr>
+            <p:ph type="title"/>
+          </p:nvPr>
+        </p:nvSpPr>
+        <p:spPr>
+          <a:prstGeom prst="rect">
+            <a:avLst/>
+          </a:prstGeom>
+        </p:spPr>
+        <p:txBody>
+          <a:bodyPr/>
+          <a:lstStyle/>
+          <a:p>
+            <a:pPr defTabSz="531622">
+              <a:defRPr sz="5278"/>
+            </a:pPr>
+            <a:r>
+              <a:t>Propiedades para los hijos</a:t>
+            </a:r>
+          </a:p>
+          <a:p>
+            <a:pPr defTabSz="531622">
+              <a:defRPr i="1" sz="3458">
+                <a:latin typeface="Gill Sans"/>
+                <a:ea typeface="Gill Sans"/>
+                <a:cs typeface="Gill Sans"/>
+                <a:sym typeface="Gill Sans"/>
+              </a:defRPr>
+            </a:pPr>
+            <a:r>
+              <a:t>(flex items)</a:t>
+            </a:r>
+          </a:p>
+        </p:txBody>
+      </p:sp>
+      <p:sp>
+        <p:nvSpPr>
+          <p:cNvPr id="173" name="Shape 173"/>
+          <p:cNvSpPr/>
+          <p:nvPr>
+            <p:ph type="body" sz="half" idx="1"/>
+          </p:nvPr>
+        </p:nvSpPr>
+        <p:spPr>
+          <a:xfrm>
+            <a:off x="1892299" y="3267074"/>
+            <a:ext cx="9220202" cy="3625194"/>
+          </a:xfrm>
+          <a:prstGeom prst="rect">
+            <a:avLst/>
+          </a:prstGeom>
+        </p:spPr>
+        <p:txBody>
+          <a:bodyPr/>
+          <a:lstStyle/>
+          <a:p>
+            <a:pPr marL="338901" indent="-338901" defTabSz="391414">
+              <a:lnSpc>
+                <a:spcPct val="100000"/>
+              </a:lnSpc>
+              <a:spcBef>
+                <a:spcPts val="3000"/>
+              </a:spcBef>
+              <a:defRPr sz="2278"/>
+            </a:pPr>
+            <a:r>
+              <a:rPr b="1">
+                <a:latin typeface="Gill Sans"/>
+                <a:ea typeface="Gill Sans"/>
+                <a:cs typeface="Gill Sans"/>
+                <a:sym typeface="Gill Sans"/>
+              </a:rPr>
+              <a:t>flex-grow: </a:t>
+            </a:r>
+            <a:r>
+              <a:t>define la proporción en la que los elementos pueden crecer de haber espacio suficiente</a:t>
+            </a:r>
+          </a:p>
+          <a:p>
+            <a:pPr marL="338901" indent="-338901" defTabSz="391414">
+              <a:lnSpc>
+                <a:spcPct val="100000"/>
+              </a:lnSpc>
+              <a:spcBef>
+                <a:spcPts val="3000"/>
+              </a:spcBef>
+              <a:defRPr sz="2278"/>
+            </a:pPr>
+            <a:r>
+              <a:rPr b="1">
+                <a:latin typeface="Gill Sans"/>
+                <a:ea typeface="Gill Sans"/>
+                <a:cs typeface="Gill Sans"/>
+                <a:sym typeface="Gill Sans"/>
+              </a:rPr>
+              <a:t>flex-shrink:</a:t>
+            </a:r>
+            <a:r>
+              <a:t> define la proporción en la que los elementos pueden decrecer cuando no hay espacio suficiente</a:t>
+            </a:r>
+          </a:p>
+          <a:p>
+            <a:pPr marL="338901" indent="-338901" defTabSz="391414">
+              <a:lnSpc>
+                <a:spcPct val="100000"/>
+              </a:lnSpc>
+              <a:spcBef>
+                <a:spcPts val="3000"/>
+              </a:spcBef>
+              <a:defRPr sz="2278"/>
+            </a:pPr>
+            <a:r>
+              <a:rPr b="1">
+                <a:latin typeface="Gill Sans"/>
+                <a:ea typeface="Gill Sans"/>
+                <a:cs typeface="Gill Sans"/>
+                <a:sym typeface="Gill Sans"/>
+              </a:rPr>
+              <a:t>flex-basis:</a:t>
+            </a:r>
+            <a:r>
+              <a:t> define el tamaño por defecto del elemento antes de la distribución del espacio disponible</a:t>
+            </a:r>
+          </a:p>
+          <a:p>
+            <a:pPr marL="338901" indent="-338901" defTabSz="391414">
+              <a:lnSpc>
+                <a:spcPct val="100000"/>
+              </a:lnSpc>
+              <a:spcBef>
+                <a:spcPts val="3000"/>
+              </a:spcBef>
+              <a:defRPr sz="2278"/>
+            </a:pPr>
+            <a:r>
+              <a:rPr b="1">
+                <a:latin typeface="Gill Sans"/>
+                <a:ea typeface="Gill Sans"/>
+                <a:cs typeface="Gill Sans"/>
+                <a:sym typeface="Gill Sans"/>
+              </a:rPr>
+              <a:t>flex:</a:t>
+            </a:r>
+            <a:r>
+              <a:t> </a:t>
+            </a:r>
+            <a:r>
+              <a:rPr i="1">
+                <a:latin typeface="Gill Sans"/>
+                <a:ea typeface="Gill Sans"/>
+                <a:cs typeface="Gill Sans"/>
+                <a:sym typeface="Gill Sans"/>
+              </a:rPr>
+              <a:t>‘shorthand’ </a:t>
+            </a:r>
+            <a:r>
+              <a:t>para todo lo anterior</a:t>
+            </a:r>
+          </a:p>
+        </p:txBody>
+      </p:sp>
+    </p:spTree>
+  </p:cSld>
+  <p:clrMapOvr>
+    <a:masterClrMapping/>
+  </p:clrMapOvr>
+  <p:transition xmlns:p14="http://schemas.microsoft.com/office/powerpoint/2010/main" spd="med" advClick="1"/>
+</p:sld>
+</file>
+
+<file path=ppt/slides/slide14.xml><?xml version="1.0" encoding="utf-8"?>
+<p:sld xmlns:a="http://schemas.openxmlformats.org/drawingml/2006/main" xmlns:r="http://schemas.openxmlformats.org/officeDocument/2006/relationships" xmlns:p="http://schemas.openxmlformats.org/presentationml/2006/main" showMasterSp="1" showMasterPhAnim="1">
+  <p:cSld>
+    <p:bg>
+      <p:bgPr>
+        <a:solidFill>
+          <a:srgbClr val="FFFFFF"/>
+        </a:solidFill>
+      </p:bgPr>
+    </p:bg>
+    <p:spTree>
+      <p:nvGrpSpPr>
+        <p:cNvPr id="1" name=""/>
+        <p:cNvGrpSpPr/>
+        <p:nvPr/>
+      </p:nvGrpSpPr>
+      <p:grpSpPr>
+        <a:xfrm>
+          <a:off x="0" y="0"/>
+          <a:ext cx="0" cy="0"/>
+          <a:chOff x="0" y="0"/>
+          <a:chExt cx="0" cy="0"/>
+        </a:xfrm>
+      </p:grpSpPr>
+      <p:sp>
+        <p:nvSpPr>
+          <p:cNvPr id="175" name="Shape 175"/>
+          <p:cNvSpPr/>
+          <p:nvPr>
+            <p:ph type="title"/>
+          </p:nvPr>
+        </p:nvSpPr>
+        <p:spPr>
+          <a:prstGeom prst="rect">
+            <a:avLst/>
+          </a:prstGeom>
+        </p:spPr>
+        <p:txBody>
+          <a:bodyPr/>
+          <a:lstStyle/>
+          <a:p>
+            <a:pPr defTabSz="531622">
+              <a:defRPr sz="5278"/>
+            </a:pPr>
+            <a:r>
+              <a:t>Propiedades para los hijos</a:t>
+            </a:r>
+          </a:p>
+          <a:p>
+            <a:pPr defTabSz="531622">
+              <a:defRPr i="1" sz="3458">
+                <a:latin typeface="Gill Sans"/>
+                <a:ea typeface="Gill Sans"/>
+                <a:cs typeface="Gill Sans"/>
+                <a:sym typeface="Gill Sans"/>
+              </a:defRPr>
+            </a:pPr>
+            <a:r>
+              <a:t>(flex items)</a:t>
+            </a:r>
+          </a:p>
+        </p:txBody>
+      </p:sp>
+      <p:sp>
+        <p:nvSpPr>
+          <p:cNvPr id="176" name="Shape 176"/>
+          <p:cNvSpPr/>
+          <p:nvPr>
+            <p:ph type="body" sz="quarter" idx="1"/>
+          </p:nvPr>
+        </p:nvSpPr>
+        <p:spPr>
+          <a:xfrm>
+            <a:off x="1892299" y="3267074"/>
+            <a:ext cx="9220202" cy="2726458"/>
+          </a:xfrm>
+          <a:prstGeom prst="rect">
+            <a:avLst/>
+          </a:prstGeom>
+        </p:spPr>
+        <p:txBody>
+          <a:bodyPr/>
+          <a:lstStyle/>
+          <a:p>
+            <a:pPr marL="505822" indent="-505822">
+              <a:lnSpc>
+                <a:spcPct val="100000"/>
+              </a:lnSpc>
+              <a:defRPr sz="3400"/>
+            </a:pPr>
+            <a:r>
+              <a:rPr b="1">
+                <a:latin typeface="Gill Sans"/>
+                <a:ea typeface="Gill Sans"/>
+                <a:cs typeface="Gill Sans"/>
+                <a:sym typeface="Gill Sans"/>
+              </a:rPr>
+              <a:t>order: </a:t>
+            </a:r>
+            <a:r>
+              <a:t>controla el orden en el que los elementos se muestran por pantalla (¡cuidado! accesibilidad)</a:t>
+            </a:r>
+          </a:p>
+          <a:p>
+            <a:pPr marL="505822" indent="-505822">
+              <a:lnSpc>
+                <a:spcPct val="100000"/>
+              </a:lnSpc>
+              <a:defRPr sz="3400"/>
+            </a:pPr>
+            <a:r>
+              <a:rPr b="1">
+                <a:latin typeface="Gill Sans"/>
+                <a:ea typeface="Gill Sans"/>
+                <a:cs typeface="Gill Sans"/>
+                <a:sym typeface="Gill Sans"/>
+              </a:rPr>
+              <a:t>align-self:</a:t>
+            </a:r>
+            <a:r>
+              <a:t> define la alineación de un elemento en concreto en el eje perpendicular al principal</a:t>
+            </a:r>
+          </a:p>
+        </p:txBody>
+      </p:sp>
+      <p:pic>
+        <p:nvPicPr>
+          <p:cNvPr id="177" name="Captura de pantalla 2017-02-20 a las 20.20.40.png"/>
+          <p:cNvPicPr>
+            <a:picLocks noChangeAspect="1"/>
+          </p:cNvPicPr>
+          <p:nvPr/>
+        </p:nvPicPr>
+        <p:blipFill>
+          <a:blip r:embed="rId2">
+            <a:extLst/>
+          </a:blip>
+          <a:stretch>
+            <a:fillRect/>
+          </a:stretch>
+        </p:blipFill>
+        <p:spPr>
+          <a:xfrm>
+            <a:off x="3100056" y="5973198"/>
+            <a:ext cx="2946044" cy="1901756"/>
+          </a:xfrm>
+          <a:prstGeom prst="rect">
+            <a:avLst/>
+          </a:prstGeom>
+          <a:ln w="3175">
+            <a:miter lim="400000"/>
+          </a:ln>
+        </p:spPr>
+      </p:pic>
+      <p:pic>
+        <p:nvPicPr>
+          <p:cNvPr id="178" name="Captura de pantalla 2017-02-20 a las 20.21.00.png"/>
+          <p:cNvPicPr>
+            <a:picLocks noChangeAspect="1"/>
+          </p:cNvPicPr>
+          <p:nvPr/>
+        </p:nvPicPr>
+        <p:blipFill>
+          <a:blip r:embed="rId3">
+            <a:extLst/>
+          </a:blip>
+          <a:stretch>
+            <a:fillRect/>
+          </a:stretch>
+        </p:blipFill>
+        <p:spPr>
+          <a:xfrm>
+            <a:off x="7438725" y="6178472"/>
+            <a:ext cx="2946043" cy="1491208"/>
+          </a:xfrm>
+          <a:prstGeom prst="rect">
+            <a:avLst/>
+          </a:prstGeom>
+          <a:ln w="3175">
+            <a:miter lim="400000"/>
+          </a:ln>
+        </p:spPr>
+      </p:pic>
+    </p:spTree>
+  </p:cSld>
+  <p:clrMapOvr>
+    <a:masterClrMapping/>
+  </p:clrMapOvr>
+  <p:transition xmlns:p14="http://schemas.microsoft.com/office/powerpoint/2010/main" spd="med" advClick="1"/>
+</p:sld>
+</file>
+
+<file path=ppt/slides/slide15.xml><?xml version="1.0" encoding="utf-8"?>
+<p:sld xmlns:a="http://schemas.openxmlformats.org/drawingml/2006/main" xmlns:r="http://schemas.openxmlformats.org/officeDocument/2006/relationships" xmlns:p="http://schemas.openxmlformats.org/presentationml/2006/main" showMasterSp="1" showMasterPhAnim="1">
+  <p:cSld>
+    <p:bg>
+      <p:bgPr>
+        <a:solidFill>
+          <a:srgbClr val="FFFFFF"/>
+        </a:solidFill>
+      </p:bgPr>
+    </p:bg>
+    <p:spTree>
+      <p:nvGrpSpPr>
+        <p:cNvPr id="1" name=""/>
+        <p:cNvGrpSpPr/>
+        <p:nvPr/>
+      </p:nvGrpSpPr>
+      <p:grpSpPr>
+        <a:xfrm>
+          <a:off x="0" y="0"/>
+          <a:ext cx="0" cy="0"/>
+          <a:chOff x="0" y="0"/>
+          <a:chExt cx="0" cy="0"/>
+        </a:xfrm>
+      </p:grpSpPr>
+      <p:sp>
+        <p:nvSpPr>
+          <p:cNvPr id="180" name="Shape 180"/>
+          <p:cNvSpPr/>
+          <p:nvPr>
+            <p:ph type="title"/>
+          </p:nvPr>
+        </p:nvSpPr>
+        <p:spPr>
+          <a:xfrm>
+            <a:off x="1892299" y="1409699"/>
+            <a:ext cx="9220202" cy="1012479"/>
+          </a:xfrm>
+          <a:prstGeom prst="rect">
+            <a:avLst/>
+          </a:prstGeom>
+        </p:spPr>
+        <p:txBody>
+          <a:bodyPr/>
+          <a:lstStyle>
+            <a:lvl1pPr defTabSz="543305">
+              <a:defRPr sz="6510"/>
+            </a:lvl1pPr>
+          </a:lstStyle>
+          <a:p>
+            <a:pPr/>
+            <a:r>
+              <a:t>Enlaces</a:t>
+            </a:r>
+          </a:p>
+        </p:txBody>
+      </p:sp>
+      <p:sp>
+        <p:nvSpPr>
+          <p:cNvPr id="181" name="Shape 181"/>
+          <p:cNvSpPr/>
+          <p:nvPr>
+            <p:ph type="body" sz="half" idx="1"/>
+          </p:nvPr>
+        </p:nvSpPr>
+        <p:spPr>
+          <a:prstGeom prst="rect">
+            <a:avLst/>
+          </a:prstGeom>
+        </p:spPr>
+        <p:txBody>
+          <a:bodyPr/>
+          <a:lstStyle/>
+          <a:p>
+            <a:pPr marL="393417" indent="-393417" defTabSz="467359">
+              <a:spcBef>
+                <a:spcPts val="3600"/>
+              </a:spcBef>
+              <a:defRPr sz="2720"/>
+            </a:pPr>
+            <a:r>
+              <a:t>W3C CR: </a:t>
+            </a:r>
+            <a:r>
+              <a:rPr u="sng">
+                <a:hlinkClick r:id="rId2" invalidUrl="" action="" tgtFrame="" tooltip="" history="1" highlightClick="0" endSnd="0"/>
+              </a:rPr>
+              <a:t>https://www.w3.org/TR/css-flexbox-1/</a:t>
+            </a:r>
+          </a:p>
+          <a:p>
+            <a:pPr marL="393417" indent="-393417" defTabSz="467359">
+              <a:spcBef>
+                <a:spcPts val="3600"/>
+              </a:spcBef>
+              <a:defRPr sz="2720"/>
+            </a:pPr>
+            <a:r>
+              <a:t>CSS Tricks: </a:t>
+            </a:r>
+            <a:r>
+              <a:rPr u="sng">
+                <a:hlinkClick r:id="rId3" invalidUrl="" action="" tgtFrame="" tooltip="" history="1" highlightClick="0" endSnd="0"/>
+              </a:rPr>
+              <a:t>https://css-tricks.com/snippets/css/a-guide-to-flexbox/</a:t>
+            </a:r>
+          </a:p>
+          <a:p>
+            <a:pPr marL="393417" indent="-393417" defTabSz="467359">
+              <a:spcBef>
+                <a:spcPts val="3600"/>
+              </a:spcBef>
+              <a:defRPr sz="2720"/>
+            </a:pPr>
+            <a:r>
+              <a:t>Egghead: </a:t>
+            </a:r>
+            <a:r>
+              <a:rPr u="sng">
+                <a:hlinkClick r:id="rId4" invalidUrl="" action="" tgtFrame="" tooltip="" history="1" highlightClick="0" endSnd="0"/>
+              </a:rPr>
+              <a:t>https://egghead.io/courses/flexbox-fundamentals</a:t>
+            </a:r>
+          </a:p>
+          <a:p>
+            <a:pPr marL="393417" indent="-393417" defTabSz="467359">
+              <a:spcBef>
+                <a:spcPts val="3600"/>
+              </a:spcBef>
+              <a:defRPr sz="2720"/>
+            </a:pPr>
+            <a:r>
+              <a:t>CodePen: </a:t>
+            </a:r>
+            <a:r>
+              <a:rPr u="sng">
+                <a:hlinkClick r:id="rId5" invalidUrl="" action="" tgtFrame="" tooltip="" history="1" highlightClick="0" endSnd="0"/>
+              </a:rPr>
+              <a:t>https://codepen.io/marcosDLCS/pen/mRKwvq</a:t>
+            </a:r>
+          </a:p>
+          <a:p>
+            <a:pPr marL="393417" indent="-393417" defTabSz="467359">
+              <a:spcBef>
+                <a:spcPts val="3600"/>
+              </a:spcBef>
+              <a:defRPr sz="2720"/>
+            </a:pPr>
+            <a:r>
+              <a:t>CodePen: </a:t>
+            </a:r>
+            <a:r>
+              <a:rPr u="sng">
+                <a:hlinkClick r:id="rId6" invalidUrl="" action="" tgtFrame="" tooltip="" history="1" highlightClick="0" endSnd="0"/>
+              </a:rPr>
+              <a:t>https://codepen.io/marcosDLCS/pen/apKLrM</a:t>
+            </a:r>
+          </a:p>
+        </p:txBody>
+      </p:sp>
+      <p:sp>
+        <p:nvSpPr>
+          <p:cNvPr id="182" name="Shape 182"/>
+          <p:cNvSpPr/>
+          <p:nvPr/>
+        </p:nvSpPr>
+        <p:spPr>
+          <a:xfrm>
+            <a:off x="5723123" y="2438399"/>
+            <a:ext cx="1425204" cy="571501"/>
+          </a:xfrm>
+          <a:prstGeom prst="rect">
+            <a:avLst/>
+          </a:prstGeom>
+          <a:ln w="3175">
+            <a:miter lim="400000"/>
+          </a:ln>
+          <a:extLst>
+            <a:ext uri="{C572A759-6A51-4108-AA02-DFA0A04FC94B}">
+              <ma14:wrappingTextBoxFlag xmlns:ma14="http://schemas.microsoft.com/office/mac/drawingml/2011/main" val="1"/>
+            </a:ext>
+          </a:extLst>
+        </p:spPr>
+        <p:txBody>
+          <a:bodyPr wrap="none" lIns="38100" tIns="38100" rIns="38100" bIns="38100" anchor="ctr">
+            <a:spAutoFit/>
+          </a:bodyPr>
+          <a:lstStyle/>
+          <a:p>
+            <a:pPr/>
+            <a:r>
+              <a:t>Flexbox</a:t>
+            </a:r>
+          </a:p>
+        </p:txBody>
+      </p:sp>
+    </p:spTree>
+  </p:cSld>
+  <p:clrMapOvr>
+    <a:masterClrMapping/>
+  </p:clrMapOvr>
+  <p:transition xmlns:p14="http://schemas.microsoft.com/office/powerpoint/2010/main" spd="med" advClick="1"/>
+</p:sld>
+</file>
+
+<file path=ppt/slides/slide16.xml><?xml version="1.0" encoding="utf-8"?>
+<p:sld xmlns:a="http://schemas.openxmlformats.org/drawingml/2006/main" xmlns:r="http://schemas.openxmlformats.org/officeDocument/2006/relationships" xmlns:p="http://schemas.openxmlformats.org/presentationml/2006/main" showMasterSp="1" showMasterPhAnim="1">
+  <p:cSld>
+    <p:bg>
+      <p:bgPr>
+        <a:solidFill>
+          <a:srgbClr val="FFFFFF"/>
+        </a:solidFill>
+      </p:bgPr>
+    </p:bg>
+    <p:spTree>
+      <p:nvGrpSpPr>
+        <p:cNvPr id="1" name=""/>
+        <p:cNvGrpSpPr/>
+        <p:nvPr/>
+      </p:nvGrpSpPr>
+      <p:grpSpPr>
+        <a:xfrm>
+          <a:off x="0" y="0"/>
+          <a:ext cx="0" cy="0"/>
+          <a:chOff x="0" y="0"/>
+          <a:chExt cx="0" cy="0"/>
+        </a:xfrm>
+      </p:grpSpPr>
+      <p:sp>
+        <p:nvSpPr>
+          <p:cNvPr id="184" name="Shape 184"/>
+          <p:cNvSpPr/>
+          <p:nvPr>
+            <p:ph type="title"/>
+          </p:nvPr>
+        </p:nvSpPr>
+        <p:spPr>
+          <a:xfrm>
+            <a:off x="1892299" y="1409699"/>
+            <a:ext cx="9220202" cy="1012479"/>
+          </a:xfrm>
+          <a:prstGeom prst="rect">
+            <a:avLst/>
+          </a:prstGeom>
+        </p:spPr>
+        <p:txBody>
+          <a:bodyPr/>
+          <a:lstStyle>
+            <a:lvl1pPr defTabSz="543305">
+              <a:defRPr sz="6510"/>
+            </a:lvl1pPr>
+          </a:lstStyle>
+          <a:p>
+            <a:pPr/>
+            <a:r>
+              <a:t>Enlaces</a:t>
+            </a:r>
+          </a:p>
+        </p:txBody>
+      </p:sp>
+      <p:sp>
+        <p:nvSpPr>
+          <p:cNvPr id="185" name="Shape 185"/>
+          <p:cNvSpPr/>
+          <p:nvPr>
+            <p:ph type="body" sz="half" idx="1"/>
+          </p:nvPr>
+        </p:nvSpPr>
+        <p:spPr>
+          <a:prstGeom prst="rect">
+            <a:avLst/>
+          </a:prstGeom>
+        </p:spPr>
+        <p:txBody>
+          <a:bodyPr/>
+          <a:lstStyle/>
+          <a:p>
+            <a:pPr marL="383582" indent="-383582" defTabSz="455675">
+              <a:spcBef>
+                <a:spcPts val="3500"/>
+              </a:spcBef>
+              <a:defRPr sz="2651"/>
+            </a:pPr>
+            <a:r>
+              <a:t>W3C CR: </a:t>
+            </a:r>
+            <a:r>
+              <a:rPr u="sng">
+                <a:hlinkClick r:id="rId2" invalidUrl="" action="" tgtFrame="" tooltip="" history="1" highlightClick="0" endSnd="0"/>
+              </a:rPr>
+              <a:t>https://www.w3.org/TR/css-grid-1/</a:t>
+            </a:r>
+          </a:p>
+          <a:p>
+            <a:pPr marL="383582" indent="-383582" defTabSz="455675">
+              <a:spcBef>
+                <a:spcPts val="3500"/>
+              </a:spcBef>
+              <a:defRPr sz="2651"/>
+            </a:pPr>
+            <a:r>
+              <a:t>CSS Tricks: </a:t>
+            </a:r>
+            <a:r>
+              <a:rPr u="sng">
+                <a:hlinkClick r:id="rId3" invalidUrl="" action="" tgtFrame="" tooltip="" history="1" highlightClick="0" endSnd="0"/>
+              </a:rPr>
+              <a:t>https://css-tricks.com/snippets/css/complete-guide-grid/</a:t>
+            </a:r>
+          </a:p>
+          <a:p>
+            <a:pPr marL="383582" indent="-383582" defTabSz="455675">
+              <a:spcBef>
+                <a:spcPts val="3500"/>
+              </a:spcBef>
+              <a:defRPr sz="2651"/>
+            </a:pPr>
+            <a:r>
+              <a:t>Google Developers: </a:t>
+            </a:r>
+            <a:r>
+              <a:rPr u="sng">
+                <a:hlinkClick r:id="rId4" invalidUrl="" action="" tgtFrame="" tooltip="" history="1" highlightClick="0" endSnd="0"/>
+              </a:rPr>
+              <a:t>https://developers.google.com/web/updates/2017/01/css-grid</a:t>
+            </a:r>
+          </a:p>
+          <a:p>
+            <a:pPr marL="383582" indent="-383582" defTabSz="455675">
+              <a:spcBef>
+                <a:spcPts val="3500"/>
+              </a:spcBef>
+              <a:defRPr sz="2651"/>
+            </a:pPr>
+            <a:r>
+              <a:t>Codemotion 2016: </a:t>
+            </a:r>
+            <a:r>
+              <a:rPr u="sng">
+                <a:hlinkClick r:id="rId5" invalidUrl="" action="" tgtFrame="" tooltip="" history="1" highlightClick="0" endSnd="0"/>
+              </a:rPr>
+              <a:t>https://www.youtube.com/watch?v=gUqYlBOUz8M</a:t>
+            </a:r>
+          </a:p>
+        </p:txBody>
+      </p:sp>
+      <p:sp>
+        <p:nvSpPr>
+          <p:cNvPr id="186" name="Shape 186"/>
+          <p:cNvSpPr/>
+          <p:nvPr/>
+        </p:nvSpPr>
+        <p:spPr>
+          <a:xfrm>
+            <a:off x="6008073" y="2438399"/>
+            <a:ext cx="855304" cy="571501"/>
+          </a:xfrm>
+          <a:prstGeom prst="rect">
+            <a:avLst/>
+          </a:prstGeom>
+          <a:ln w="3175">
+            <a:miter lim="400000"/>
+          </a:ln>
+          <a:extLst>
+            <a:ext uri="{C572A759-6A51-4108-AA02-DFA0A04FC94B}">
+              <ma14:wrappingTextBoxFlag xmlns:ma14="http://schemas.microsoft.com/office/mac/drawingml/2011/main" val="1"/>
+            </a:ext>
+          </a:extLst>
+        </p:spPr>
+        <p:txBody>
+          <a:bodyPr wrap="none" lIns="38100" tIns="38100" rIns="38100" bIns="38100" anchor="ctr">
+            <a:spAutoFit/>
+          </a:bodyPr>
+          <a:lstStyle/>
+          <a:p>
+            <a:pPr/>
+            <a:r>
+              <a:t>Grid</a:t>
+            </a:r>
+          </a:p>
+        </p:txBody>
+      </p:sp>
+    </p:spTree>
+  </p:cSld>
+  <p:clrMapOvr>
+    <a:masterClrMapping/>
+  </p:clrMapOvr>
+  <p:transition xmlns:p14="http://schemas.microsoft.com/office/powerpoint/2010/main" spd="med" advClick="1"/>
+</p:sld>
+</file>
+
+<file path=ppt/slides/slide17.xml><?xml version="1.0" encoding="utf-8"?>
+<p:sld xmlns:a="http://schemas.openxmlformats.org/drawingml/2006/main" xmlns:r="http://schemas.openxmlformats.org/officeDocument/2006/relationships" xmlns:p="http://schemas.openxmlformats.org/presentationml/2006/main" showMasterSp="1" showMasterPhAnim="1">
+  <p:cSld>
+    <p:bg>
+      <p:bgPr>
+        <a:solidFill>
+          <a:srgbClr val="FFFFFF"/>
+        </a:solidFill>
+      </p:bgPr>
+    </p:bg>
+    <p:spTree>
+      <p:nvGrpSpPr>
+        <p:cNvPr id="1" name=""/>
+        <p:cNvGrpSpPr/>
+        <p:nvPr/>
+      </p:nvGrpSpPr>
+      <p:grpSpPr>
+        <a:xfrm>
+          <a:off x="0" y="0"/>
+          <a:ext cx="0" cy="0"/>
+          <a:chOff x="0" y="0"/>
+          <a:chExt cx="0" cy="0"/>
+        </a:xfrm>
+      </p:grpSpPr>
+      <p:sp>
+        <p:nvSpPr>
+          <p:cNvPr id="188" name="Shape 188"/>
+          <p:cNvSpPr/>
+          <p:nvPr>
+            <p:ph type="body" idx="14"/>
+          </p:nvPr>
+        </p:nvSpPr>
+        <p:spPr>
+          <a:xfrm>
+            <a:off x="2578099" y="4017962"/>
+            <a:ext cx="7848602" cy="1117601"/>
+          </a:xfrm>
+          <a:prstGeom prst="rect">
+            <a:avLst/>
+          </a:prstGeom>
+        </p:spPr>
+        <p:txBody>
+          <a:bodyPr/>
+          <a:lstStyle>
+            <a:lvl1pPr>
+              <a:defRPr sz="7200"/>
+            </a:lvl1pPr>
+          </a:lstStyle>
+          <a:p>
+            <a:pPr/>
+            <a:r>
+              <a:t>Gracias</a:t>
             </a:r>
           </a:p>
         </p:txBody>
@@ -3091,6 +4780,13 @@
 <file path=ppt/slides/slide2.xml><?xml version="1.0" encoding="utf-8"?>
 <p:sld xmlns:a="http://schemas.openxmlformats.org/drawingml/2006/main" xmlns:r="http://schemas.openxmlformats.org/officeDocument/2006/relationships" xmlns:p="http://schemas.openxmlformats.org/presentationml/2006/main" showMasterSp="1" showMasterPhAnim="1">
   <p:cSld>
+    <p:bg>
+      <p:bgPr>
+        <a:solidFill>
+          <a:srgbClr val="FFFFFF"/>
+        </a:solidFill>
+      </p:bgPr>
+    </p:bg>
     <p:spTree>
       <p:nvGrpSpPr>
         <p:cNvPr id="1" name=""/>
@@ -3134,13 +4830,13 @@
           <p:cNvPr id="123" name="Shape 123"/>
           <p:cNvSpPr/>
           <p:nvPr>
-            <p:ph type="body" idx="1"/>
+            <p:ph type="body" sz="half" idx="1"/>
           </p:nvPr>
         </p:nvSpPr>
         <p:spPr>
           <a:xfrm>
-            <a:off x="355600" y="2298700"/>
-            <a:ext cx="12293600" cy="6299200"/>
+            <a:off x="1892299" y="2943224"/>
+            <a:ext cx="9220202" cy="4724402"/>
           </a:xfrm>
           <a:prstGeom prst="rect">
             <a:avLst/>
@@ -3194,13 +4890,13 @@
         </p:blipFill>
         <p:spPr>
           <a:xfrm>
-            <a:off x="5343140" y="6340532"/>
-            <a:ext cx="1232622" cy="1002811"/>
+            <a:off x="5632955" y="5974599"/>
+            <a:ext cx="924466" cy="752109"/>
           </a:xfrm>
           <a:prstGeom prst="rect">
             <a:avLst/>
           </a:prstGeom>
-          <a:ln w="12700">
+          <a:ln w="3175">
             <a:miter lim="400000"/>
           </a:ln>
         </p:spPr>
@@ -3217,19 +4913,20 @@
           <a:blip r:embed="rId3">
             <a:extLst/>
           </a:blip>
+          <a:srcRect l="0" t="0" r="0" b="0"/>
           <a:stretch>
             <a:fillRect/>
           </a:stretch>
         </p:blipFill>
         <p:spPr>
           <a:xfrm>
-            <a:off x="6892463" y="6340485"/>
-            <a:ext cx="1002811" cy="1002812"/>
+            <a:off x="6794947" y="5974564"/>
+            <a:ext cx="752109" cy="752109"/>
           </a:xfrm>
           <a:prstGeom prst="rect">
             <a:avLst/>
           </a:prstGeom>
-          <a:ln w="12700">
+          <a:ln w="3175">
             <a:miter lim="400000"/>
           </a:ln>
         </p:spPr>
@@ -3252,13 +4949,13 @@
         </p:blipFill>
         <p:spPr>
           <a:xfrm>
-            <a:off x="7814915" y="4756150"/>
-            <a:ext cx="2095501" cy="1003300"/>
+            <a:off x="7486786" y="4786312"/>
+            <a:ext cx="1571626" cy="752476"/>
           </a:xfrm>
           <a:prstGeom prst="rect">
             <a:avLst/>
           </a:prstGeom>
-          <a:ln w="12700">
+          <a:ln w="3175">
             <a:miter lim="400000"/>
           </a:ln>
         </p:spPr>
@@ -3275,6 +4972,13 @@
 <file path=ppt/slides/slide3.xml><?xml version="1.0" encoding="utf-8"?>
 <p:sld xmlns:a="http://schemas.openxmlformats.org/drawingml/2006/main" xmlns:r="http://schemas.openxmlformats.org/officeDocument/2006/relationships" xmlns:p="http://schemas.openxmlformats.org/presentationml/2006/main" showMasterSp="1" showMasterPhAnim="1">
   <p:cSld>
+    <p:bg>
+      <p:bgPr>
+        <a:solidFill>
+          <a:srgbClr val="FFFFFF"/>
+        </a:solidFill>
+      </p:bgPr>
+    </p:bg>
     <p:spTree>
       <p:nvGrpSpPr>
         <p:cNvPr id="1" name=""/>
@@ -3304,15 +5008,11 @@
         </p:spPr>
         <p:txBody>
           <a:bodyPr/>
-          <a:lstStyle>
-            <a:lvl1pPr>
-              <a:defRPr sz="9000"/>
-            </a:lvl1pPr>
-          </a:lstStyle>
+          <a:lstStyle/>
           <a:p>
             <a:pPr/>
             <a:r>
-              <a:t>Flexbox</a:t>
+              <a:t>¿Qué vamos a ver?</a:t>
             </a:r>
           </a:p>
         </p:txBody>
@@ -3321,44 +5021,49 @@
         <p:nvSpPr>
           <p:cNvPr id="129" name="Shape 129"/>
           <p:cNvSpPr/>
-          <p:nvPr/>
+          <p:nvPr>
+            <p:ph type="body" sz="half" idx="1"/>
+          </p:nvPr>
         </p:nvSpPr>
         <p:spPr>
-          <a:xfrm>
-            <a:off x="1908689" y="5727699"/>
-            <a:ext cx="9187422" cy="1397001"/>
-          </a:xfrm>
-          <a:prstGeom prst="rect">
-            <a:avLst/>
-          </a:prstGeom>
-          <a:ln w="12700">
-            <a:miter lim="400000"/>
-          </a:ln>
-          <a:extLst>
-            <a:ext uri="{C572A759-6A51-4108-AA02-DFA0A04FC94B}">
-              <ma14:wrappingTextBoxFlag xmlns:ma14="http://schemas.microsoft.com/office/mac/drawingml/2011/main" val="1"/>
-            </a:ext>
-          </a:extLst>
+          <a:prstGeom prst="rect">
+            <a:avLst/>
+          </a:prstGeom>
         </p:spPr>
         <p:txBody>
-          <a:bodyPr wrap="none" lIns="50800" tIns="50800" rIns="50800" bIns="50800" anchor="ctr">
-            <a:spAutoFit/>
-          </a:bodyPr>
+          <a:bodyPr/>
           <a:lstStyle/>
           <a:p>
-            <a:pPr>
-              <a:defRPr sz="4500"/>
+            <a:pPr marL="493080" indent="-493080" defTabSz="578358">
+              <a:spcBef>
+                <a:spcPts val="4500"/>
+              </a:spcBef>
+              <a:defRPr sz="4356"/>
             </a:pPr>
             <a:r>
-              <a:t>a.k.a.</a:t>
-            </a:r>
-          </a:p>
-          <a:p>
-            <a:pPr>
-              <a:defRPr sz="4500"/>
+              <a:t>CSS Flexible Box Layout Module Level 1</a:t>
+            </a:r>
+          </a:p>
+          <a:p>
+            <a:pPr marL="493080" indent="-493080" defTabSz="578358">
+              <a:spcBef>
+                <a:spcPts val="4500"/>
+              </a:spcBef>
+              <a:defRPr sz="4356"/>
             </a:pPr>
             <a:r>
-              <a:t>CSS Flexible Box Layout Module Level 1</a:t>
+              <a:t>CSS Grid Layout Module Level 1(Intro)</a:t>
+            </a:r>
+          </a:p>
+          <a:p>
+            <a:pPr marL="493080" indent="-493080" defTabSz="578358">
+              <a:spcBef>
+                <a:spcPts val="4500"/>
+              </a:spcBef>
+              <a:defRPr sz="4356"/>
+            </a:pPr>
+            <a:r>
+              <a:t>Bonus (TBD)</a:t>
             </a:r>
           </a:p>
         </p:txBody>
@@ -3375,6 +5080,13 @@
 <file path=ppt/slides/slide4.xml><?xml version="1.0" encoding="utf-8"?>
 <p:sld xmlns:a="http://schemas.openxmlformats.org/drawingml/2006/main" xmlns:r="http://schemas.openxmlformats.org/officeDocument/2006/relationships" xmlns:p="http://schemas.openxmlformats.org/presentationml/2006/main" showMasterSp="1" showMasterPhAnim="1">
   <p:cSld>
+    <p:bg>
+      <p:bgPr>
+        <a:solidFill>
+          <a:srgbClr val="FFFFFF"/>
+        </a:solidFill>
+      </p:bgPr>
+    </p:bg>
     <p:spTree>
       <p:nvGrpSpPr>
         <p:cNvPr id="1" name=""/>
@@ -3398,113 +5110,54 @@
           </p:nvPr>
         </p:nvSpPr>
         <p:spPr>
-          <a:xfrm>
-            <a:off x="355600" y="253999"/>
-            <a:ext cx="12293600" cy="1349972"/>
-          </a:xfrm>
           <a:prstGeom prst="rect">
             <a:avLst/>
           </a:prstGeom>
         </p:spPr>
         <p:txBody>
           <a:bodyPr/>
-          <a:lstStyle/>
+          <a:lstStyle>
+            <a:lvl1pPr defTabSz="502412">
+              <a:defRPr sz="6020"/>
+            </a:lvl1pPr>
+          </a:lstStyle>
           <a:p>
             <a:pPr/>
             <a:r>
-              <a:t>Enlaces</a:t>
+              <a:t>Lo primero es lo primero</a:t>
             </a:r>
           </a:p>
         </p:txBody>
       </p:sp>
-      <p:sp>
-        <p:nvSpPr>
-          <p:cNvPr id="132" name="Shape 132"/>
-          <p:cNvSpPr/>
-          <p:nvPr>
-            <p:ph type="body" idx="1"/>
-          </p:nvPr>
-        </p:nvSpPr>
-        <p:spPr>
-          <a:prstGeom prst="rect">
-            <a:avLst/>
-          </a:prstGeom>
-        </p:spPr>
-        <p:txBody>
-          <a:bodyPr/>
-          <a:lstStyle/>
-          <a:p>
-            <a:pPr>
-              <a:defRPr sz="3600"/>
-            </a:pPr>
-            <a:r>
-              <a:t>W3C CR: </a:t>
-            </a:r>
-            <a:r>
-              <a:rPr u="sng">
-                <a:hlinkClick r:id="rId2" invalidUrl="" action="" tgtFrame="" tooltip="" history="1" highlightClick="0" endSnd="0"/>
-              </a:rPr>
-              <a:t>https://www.w3.org/TR/css-flexbox-1/</a:t>
-            </a:r>
-          </a:p>
-          <a:p>
-            <a:pPr>
-              <a:defRPr sz="3600"/>
-            </a:pPr>
-            <a:r>
-              <a:t>CSS Tricks: </a:t>
-            </a:r>
-            <a:r>
-              <a:rPr u="sng">
-                <a:hlinkClick r:id="rId3" invalidUrl="" action="" tgtFrame="" tooltip="" history="1" highlightClick="0" endSnd="0"/>
-              </a:rPr>
-              <a:t>https://css-tricks.com/snippets/css/a-guide-to-flexbox/</a:t>
-            </a:r>
-          </a:p>
-          <a:p>
-            <a:pPr>
-              <a:defRPr sz="3600"/>
-            </a:pPr>
-            <a:r>
-              <a:t>Egghead: </a:t>
-            </a:r>
-            <a:r>
-              <a:rPr u="sng">
-                <a:hlinkClick r:id="rId4" invalidUrl="" action="" tgtFrame="" tooltip="" history="1" highlightClick="0" endSnd="0"/>
-              </a:rPr>
-              <a:t>https://egghead.io/courses/flexbox-fundamentals</a:t>
-            </a:r>
-          </a:p>
-          <a:p>
-            <a:pPr>
-              <a:defRPr sz="3600"/>
-            </a:pPr>
-            <a:r>
-              <a:t>CodePen: </a:t>
-            </a:r>
-            <a:r>
-              <a:rPr u="sng">
-                <a:hlinkClick r:id="rId5" invalidUrl="" action="" tgtFrame="" tooltip="" history="1" highlightClick="0" endSnd="0"/>
-              </a:rPr>
-              <a:t>https://codepen.io/marcosDLCS/pen/mRKwvq</a:t>
-            </a:r>
-          </a:p>
-          <a:p>
-            <a:pPr>
-              <a:defRPr sz="3600"/>
-            </a:pPr>
-            <a:r>
-              <a:t>CodePen: </a:t>
-            </a:r>
-            <a:r>
-              <a:rPr u="sng">
-                <a:hlinkClick r:id="rId6" invalidUrl="" action="" tgtFrame="" tooltip="" history="1" highlightClick="0" endSnd="0"/>
-              </a:rPr>
-              <a:t>https://codepen.io/marcosDLCS/pen/apKLrM</a:t>
-            </a:r>
-          </a:p>
-        </p:txBody>
-      </p:sp>
+      <p:pic>
+        <p:nvPicPr>
+          <p:cNvPr id="132" name="Captura de pantalla 2017-02-05 a las 19.41.38.png"/>
+          <p:cNvPicPr>
+            <a:picLocks noChangeAspect="1"/>
+          </p:cNvPicPr>
+          <p:nvPr/>
+        </p:nvPicPr>
+        <p:blipFill>
+          <a:blip r:embed="rId2">
+            <a:extLst/>
+          </a:blip>
+          <a:stretch>
+            <a:fillRect/>
+          </a:stretch>
+        </p:blipFill>
+        <p:spPr>
+          <a:xfrm>
+            <a:off x="1952733" y="3425538"/>
+            <a:ext cx="9099334" cy="3046171"/>
+          </a:xfrm>
+          <a:prstGeom prst="rect">
+            <a:avLst/>
+          </a:prstGeom>
+          <a:ln w="3175">
+            <a:miter lim="400000"/>
+          </a:ln>
+        </p:spPr>
+      </p:pic>
       <p:sp>
         <p:nvSpPr>
           <p:cNvPr id="133" name="Shape 133"/>
@@ -3513,13 +5166,13 @@
         </p:nvSpPr>
         <p:spPr>
           <a:xfrm>
-            <a:off x="5648895" y="1695450"/>
-            <a:ext cx="1529210" cy="622300"/>
+            <a:off x="4859362" y="6924675"/>
+            <a:ext cx="3286076" cy="571501"/>
           </a:xfrm>
           <a:prstGeom prst="rect">
             <a:avLst/>
           </a:prstGeom>
-          <a:ln w="12700">
+          <a:ln w="3175">
             <a:miter lim="400000"/>
           </a:ln>
           <a:extLst>
@@ -3529,18 +5182,242 @@
           </a:extLst>
         </p:spPr>
         <p:txBody>
-          <a:bodyPr wrap="none" lIns="50800" tIns="50800" rIns="50800" bIns="50800" anchor="ctr">
+          <a:bodyPr wrap="none" lIns="38100" tIns="38100" rIns="38100" bIns="38100" anchor="ctr">
             <a:spAutoFit/>
           </a:bodyPr>
-          <a:lstStyle/>
-          <a:p>
-            <a:pPr/>
-            <a:r>
-              <a:t>Flexbox</a:t>
+          <a:lstStyle>
+            <a:lvl1pPr>
+              <a:defRPr u="sng">
+                <a:hlinkClick r:id="rId3" invalidUrl="" action="" tgtFrame="" tooltip="" history="1" highlightClick="0" endSnd="0"/>
+              </a:defRPr>
+            </a:lvl1pPr>
+          </a:lstStyle>
+          <a:p>
+            <a:pPr>
+              <a:defRPr u="none"/>
+            </a:pPr>
+            <a:r>
+              <a:rPr u="sng">
+                <a:hlinkClick r:id="rId3" invalidUrl="" action="" tgtFrame="" tooltip="" history="1" highlightClick="0" endSnd="0"/>
+              </a:rPr>
+              <a:t>http://caniuse.com/</a:t>
             </a:r>
           </a:p>
         </p:txBody>
       </p:sp>
+    </p:spTree>
+  </p:cSld>
+  <p:clrMapOvr>
+    <a:masterClrMapping/>
+  </p:clrMapOvr>
+  <p:transition xmlns:p14="http://schemas.microsoft.com/office/powerpoint/2010/main" spd="med" advClick="1"/>
+  <p:timing>
+    <p:tnLst>
+      <p:par>
+        <p:cTn id="1" nodeType="tmRoot" restart="never" dur="indefinite" fill="hold">
+          <p:childTnLst>
+            <p:seq concurrent="1" prevAc="none" nextAc="seek">
+              <p:cTn id="2" nodeType="mainSeq" dur="indefinite" fill="hold">
+                <p:childTnLst>
+                  <p:par>
+                    <p:cTn id="3" fill="hold">
+                      <p:stCondLst>
+                        <p:cond delay="indefinite"/>
+                      </p:stCondLst>
+                      <p:childTnLst>
+                        <p:par>
+                          <p:cTn id="4" fill="hold">
+                            <p:stCondLst>
+                              <p:cond delay="0"/>
+                            </p:stCondLst>
+                            <p:childTnLst>
+                              <p:par>
+                                <p:cTn id="5" presetClass="entr" nodeType="clickEffect" presetSubtype="0" presetID="1" grpId="1" fill="hold">
+                                  <p:stCondLst>
+                                    <p:cond delay="0"/>
+                                  </p:stCondLst>
+                                  <p:iterate type="el" backwards="0">
+                                    <p:tmAbs val="0"/>
+                                  </p:iterate>
+                                  <p:childTnLst>
+                                    <p:set>
+                                      <p:cBhvr>
+                                        <p:cTn id="6" fill="hold"/>
+                                        <p:tgtEl>
+                                          <p:spTgt spid="132"/>
+                                        </p:tgtEl>
+                                        <p:attrNameLst>
+                                          <p:attrName>style.visibility</p:attrName>
+                                        </p:attrNameLst>
+                                      </p:cBhvr>
+                                      <p:to>
+                                        <p:strVal val="visible"/>
+                                      </p:to>
+                                    </p:set>
+                                  </p:childTnLst>
+                                </p:cTn>
+                              </p:par>
+                            </p:childTnLst>
+                          </p:cTn>
+                        </p:par>
+                      </p:childTnLst>
+                    </p:cTn>
+                  </p:par>
+                  <p:par>
+                    <p:cTn id="7" fill="hold">
+                      <p:stCondLst>
+                        <p:cond delay="indefinite"/>
+                      </p:stCondLst>
+                      <p:childTnLst>
+                        <p:par>
+                          <p:cTn id="8" fill="hold">
+                            <p:stCondLst>
+                              <p:cond delay="0"/>
+                            </p:stCondLst>
+                            <p:childTnLst>
+                              <p:par>
+                                <p:cTn id="9" presetClass="entr" nodeType="clickEffect" presetSubtype="0" presetID="1" grpId="2" fill="hold">
+                                  <p:stCondLst>
+                                    <p:cond delay="0"/>
+                                  </p:stCondLst>
+                                  <p:iterate type="el" backwards="0">
+                                    <p:tmAbs val="0"/>
+                                  </p:iterate>
+                                  <p:childTnLst>
+                                    <p:set>
+                                      <p:cBhvr>
+                                        <p:cTn id="10" fill="hold"/>
+                                        <p:tgtEl>
+                                          <p:spTgt spid="133"/>
+                                        </p:tgtEl>
+                                        <p:attrNameLst>
+                                          <p:attrName>style.visibility</p:attrName>
+                                        </p:attrNameLst>
+                                      </p:cBhvr>
+                                      <p:to>
+                                        <p:strVal val="visible"/>
+                                      </p:to>
+                                    </p:set>
+                                  </p:childTnLst>
+                                </p:cTn>
+                              </p:par>
+                            </p:childTnLst>
+                          </p:cTn>
+                        </p:par>
+                      </p:childTnLst>
+                    </p:cTn>
+                  </p:par>
+                </p:childTnLst>
+              </p:cTn>
+              <p:prevCondLst>
+                <p:cond evt="onPrev">
+                  <p:tgtEl>
+                    <p:sldTgt/>
+                  </p:tgtEl>
+                </p:cond>
+              </p:prevCondLst>
+              <p:nextCondLst>
+                <p:cond evt="onNext">
+                  <p:tgtEl>
+                    <p:sldTgt/>
+                  </p:tgtEl>
+                </p:cond>
+              </p:nextCondLst>
+            </p:seq>
+          </p:childTnLst>
+        </p:cTn>
+      </p:par>
+    </p:tnLst>
+    <p:bldLst>
+      <p:bldP build="whole" bldLvl="1" animBg="1" rev="0" advAuto="0" spid="133" grpId="2"/>
+      <p:bldP build="whole" bldLvl="1" animBg="1" rev="0" advAuto="0" spid="132" grpId="1"/>
+    </p:bldLst>
+  </p:timing>
+</p:sld>
+</file>
+
+<file path=ppt/slides/slide5.xml><?xml version="1.0" encoding="utf-8"?>
+<p:sld xmlns:a="http://schemas.openxmlformats.org/drawingml/2006/main" xmlns:r="http://schemas.openxmlformats.org/officeDocument/2006/relationships" xmlns:p="http://schemas.openxmlformats.org/presentationml/2006/main" showMasterSp="1" showMasterPhAnim="1">
+  <p:cSld>
+    <p:bg>
+      <p:bgPr>
+        <a:solidFill>
+          <a:srgbClr val="FFFFFF"/>
+        </a:solidFill>
+      </p:bgPr>
+    </p:bg>
+    <p:spTree>
+      <p:nvGrpSpPr>
+        <p:cNvPr id="1" name=""/>
+        <p:cNvGrpSpPr/>
+        <p:nvPr/>
+      </p:nvGrpSpPr>
+      <p:grpSpPr>
+        <a:xfrm>
+          <a:off x="0" y="0"/>
+          <a:ext cx="0" cy="0"/>
+          <a:chOff x="0" y="0"/>
+          <a:chExt cx="0" cy="0"/>
+        </a:xfrm>
+      </p:grpSpPr>
+      <p:pic>
+        <p:nvPicPr>
+          <p:cNvPr id="135" name="ie_logo_demonio.png"/>
+          <p:cNvPicPr>
+            <a:picLocks noChangeAspect="1"/>
+          </p:cNvPicPr>
+          <p:nvPr/>
+        </p:nvPicPr>
+        <p:blipFill>
+          <a:blip r:embed="rId2">
+            <a:extLst/>
+          </a:blip>
+          <a:stretch>
+            <a:fillRect/>
+          </a:stretch>
+        </p:blipFill>
+        <p:spPr>
+          <a:xfrm>
+            <a:off x="4274169" y="2855381"/>
+            <a:ext cx="4456462" cy="4042838"/>
+          </a:xfrm>
+          <a:prstGeom prst="rect">
+            <a:avLst/>
+          </a:prstGeom>
+          <a:ln w="3175">
+            <a:miter lim="400000"/>
+          </a:ln>
+        </p:spPr>
+      </p:pic>
+      <p:pic>
+        <p:nvPicPr>
+          <p:cNvPr id="136" name="pasted-image.png"/>
+          <p:cNvPicPr>
+            <a:picLocks noChangeAspect="1"/>
+          </p:cNvPicPr>
+          <p:nvPr/>
+        </p:nvPicPr>
+        <p:blipFill>
+          <a:blip r:embed="rId3">
+            <a:extLst/>
+          </a:blip>
+          <a:stretch>
+            <a:fillRect/>
+          </a:stretch>
+        </p:blipFill>
+        <p:spPr>
+          <a:xfrm>
+            <a:off x="1625599" y="5371875"/>
+            <a:ext cx="9753602" cy="3629549"/>
+          </a:xfrm>
+          <a:prstGeom prst="rect">
+            <a:avLst/>
+          </a:prstGeom>
+          <a:ln w="3175">
+            <a:miter lim="400000"/>
+          </a:ln>
+        </p:spPr>
+      </p:pic>
     </p:spTree>
   </p:cSld>
   <p:clrMapOvr>
@@ -3550,9 +5427,16 @@
 </p:sld>
 </file>
 
-<file path=ppt/slides/slide5.xml><?xml version="1.0" encoding="utf-8"?>
+<file path=ppt/slides/slide6.xml><?xml version="1.0" encoding="utf-8"?>
 <p:sld xmlns:a="http://schemas.openxmlformats.org/drawingml/2006/main" xmlns:r="http://schemas.openxmlformats.org/officeDocument/2006/relationships" xmlns:p="http://schemas.openxmlformats.org/presentationml/2006/main" showMasterSp="1" showMasterPhAnim="1">
   <p:cSld>
+    <p:bg>
+      <p:bgPr>
+        <a:solidFill>
+          <a:srgbClr val="FFFFFF"/>
+        </a:solidFill>
+      </p:bgPr>
+    </p:bg>
     <p:spTree>
       <p:nvGrpSpPr>
         <p:cNvPr id="1" name=""/>
@@ -3569,121 +5453,47 @@
       </p:grpSpPr>
       <p:sp>
         <p:nvSpPr>
-          <p:cNvPr id="135" name="Shape 135"/>
+          <p:cNvPr id="138" name="Shape 138"/>
           <p:cNvSpPr/>
           <p:nvPr>
             <p:ph type="title"/>
           </p:nvPr>
         </p:nvSpPr>
         <p:spPr>
-          <a:xfrm>
-            <a:off x="355600" y="254000"/>
-            <a:ext cx="12293600" cy="1349971"/>
-          </a:xfrm>
           <a:prstGeom prst="rect">
             <a:avLst/>
           </a:prstGeom>
         </p:spPr>
         <p:txBody>
           <a:bodyPr/>
-          <a:lstStyle/>
+          <a:lstStyle>
+            <a:lvl1pPr defTabSz="537463">
+              <a:defRPr sz="8096"/>
+            </a:lvl1pPr>
+          </a:lstStyle>
           <a:p>
             <a:pPr/>
             <a:r>
-              <a:t>Enlaces</a:t>
+              <a:t>Flexbox</a:t>
             </a:r>
           </a:p>
         </p:txBody>
       </p:sp>
       <p:sp>
         <p:nvSpPr>
-          <p:cNvPr id="136" name="Shape 136"/>
-          <p:cNvSpPr/>
-          <p:nvPr>
-            <p:ph type="body" idx="1"/>
-          </p:nvPr>
-        </p:nvSpPr>
-        <p:spPr>
-          <a:prstGeom prst="rect">
-            <a:avLst/>
-          </a:prstGeom>
-        </p:spPr>
-        <p:txBody>
-          <a:bodyPr/>
-          <a:lstStyle/>
-          <a:p>
-            <a:pPr>
-              <a:defRPr sz="3600"/>
-            </a:pPr>
-            <a:r>
-              <a:t>W3C CR: </a:t>
-            </a:r>
-            <a:r>
-              <a:rPr u="sng">
-                <a:hlinkClick r:id="rId2" invalidUrl="" action="" tgtFrame="" tooltip="" history="1" highlightClick="0" endSnd="0"/>
-              </a:rPr>
-              <a:t>https://www.w3.org/TR/css-grid-1/</a:t>
-            </a:r>
-          </a:p>
-          <a:p>
-            <a:pPr>
-              <a:defRPr sz="3600"/>
-            </a:pPr>
-            <a:r>
-              <a:t>CSS Tricks: </a:t>
-            </a:r>
-            <a:r>
-              <a:rPr u="sng">
-                <a:hlinkClick r:id="rId3" invalidUrl="" action="" tgtFrame="" tooltip="" history="1" highlightClick="0" endSnd="0"/>
-              </a:rPr>
-              <a:t>https://css-tricks.com/snippets/css/complete-guide-grid/</a:t>
-            </a:r>
-          </a:p>
-          <a:p>
-            <a:pPr>
-              <a:defRPr sz="3600"/>
-            </a:pPr>
-            <a:r>
-              <a:t>Google Developers: </a:t>
-            </a:r>
-            <a:r>
-              <a:rPr u="sng">
-                <a:hlinkClick r:id="rId4" invalidUrl="" action="" tgtFrame="" tooltip="" history="1" highlightClick="0" endSnd="0"/>
-              </a:rPr>
-              <a:t>https://developers.google.com/web/updates/2017/01/css-grid</a:t>
-            </a:r>
-          </a:p>
-          <a:p>
-            <a:pPr>
-              <a:defRPr sz="3600"/>
-            </a:pPr>
-            <a:r>
-              <a:t>Codemotion 2016: </a:t>
-            </a:r>
-            <a:r>
-              <a:rPr u="sng">
-                <a:hlinkClick r:id="rId5" invalidUrl="" action="" tgtFrame="" tooltip="" history="1" highlightClick="0" endSnd="0"/>
-              </a:rPr>
-              <a:t>https://www.youtube.com/watch?v=gUqYlBOUz8M</a:t>
-            </a:r>
-          </a:p>
-        </p:txBody>
-      </p:sp>
-      <p:sp>
-        <p:nvSpPr>
-          <p:cNvPr id="137" name="Shape 137"/>
+          <p:cNvPr id="139" name="Shape 139"/>
           <p:cNvSpPr/>
           <p:nvPr/>
         </p:nvSpPr>
         <p:spPr>
           <a:xfrm>
-            <a:off x="5950607" y="1695449"/>
-            <a:ext cx="925786" cy="622301"/>
+            <a:off x="2022202" y="5365750"/>
+            <a:ext cx="8960396" cy="1346201"/>
           </a:xfrm>
           <a:prstGeom prst="rect">
             <a:avLst/>
           </a:prstGeom>
-          <a:ln w="12700">
+          <a:ln w="3175">
             <a:miter lim="400000"/>
           </a:ln>
           <a:extLst>
@@ -3693,14 +5503,24 @@
           </a:extLst>
         </p:spPr>
         <p:txBody>
-          <a:bodyPr wrap="none" lIns="50800" tIns="50800" rIns="50800" bIns="50800" anchor="ctr">
+          <a:bodyPr wrap="none" lIns="38100" tIns="38100" rIns="38100" bIns="38100" anchor="ctr">
             <a:spAutoFit/>
           </a:bodyPr>
           <a:lstStyle/>
           <a:p>
-            <a:pPr/>
-            <a:r>
-              <a:t>Grid</a:t>
+            <a:pPr>
+              <a:defRPr sz="4400"/>
+            </a:pPr>
+            <a:r>
+              <a:t>aka</a:t>
+            </a:r>
+          </a:p>
+          <a:p>
+            <a:pPr>
+              <a:defRPr sz="4400"/>
+            </a:pPr>
+            <a:r>
+              <a:t>CSS Flexible Box Layout Module Level 1</a:t>
             </a:r>
           </a:p>
         </p:txBody>
@@ -3714,9 +5534,16 @@
 </p:sld>
 </file>
 
-<file path=ppt/slides/slide6.xml><?xml version="1.0" encoding="utf-8"?>
+<file path=ppt/slides/slide7.xml><?xml version="1.0" encoding="utf-8"?>
 <p:sld xmlns:a="http://schemas.openxmlformats.org/drawingml/2006/main" xmlns:r="http://schemas.openxmlformats.org/officeDocument/2006/relationships" xmlns:p="http://schemas.openxmlformats.org/presentationml/2006/main" showMasterSp="1" showMasterPhAnim="1">
   <p:cSld>
+    <p:bg>
+      <p:bgPr>
+        <a:solidFill>
+          <a:srgbClr val="FFFFFF"/>
+        </a:solidFill>
+      </p:bgPr>
+    </p:bg>
     <p:spTree>
       <p:nvGrpSpPr>
         <p:cNvPr id="1" name=""/>
@@ -3733,32 +5560,538 @@
       </p:grpSpPr>
       <p:sp>
         <p:nvSpPr>
-          <p:cNvPr id="139" name="Shape 139"/>
+          <p:cNvPr id="141" name="Shape 141"/>
           <p:cNvSpPr/>
           <p:nvPr>
-            <p:ph type="body" idx="14"/>
+            <p:ph type="title"/>
           </p:nvPr>
         </p:nvSpPr>
         <p:spPr>
-          <a:xfrm>
-            <a:off x="1270000" y="3892549"/>
-            <a:ext cx="10464800" cy="1168401"/>
-          </a:xfrm>
           <a:prstGeom prst="rect">
             <a:avLst/>
           </a:prstGeom>
         </p:spPr>
         <p:txBody>
           <a:bodyPr/>
-          <a:lstStyle>
-            <a:lvl1pPr>
-              <a:defRPr sz="7400"/>
-            </a:lvl1pPr>
-          </a:lstStyle>
+          <a:lstStyle/>
           <a:p>
             <a:pPr/>
             <a:r>
-              <a:t>Gracias</a:t>
+              <a:t>¿POR Qué?</a:t>
+            </a:r>
+          </a:p>
+        </p:txBody>
+      </p:sp>
+      <p:pic>
+        <p:nvPicPr>
+          <p:cNvPr id="142" name="egghead_logo.png"/>
+          <p:cNvPicPr>
+            <a:picLocks noChangeAspect="1"/>
+          </p:cNvPicPr>
+          <p:nvPr/>
+        </p:nvPicPr>
+        <p:blipFill>
+          <a:blip r:embed="rId2">
+            <a:extLst/>
+          </a:blip>
+          <a:stretch>
+            <a:fillRect/>
+          </a:stretch>
+        </p:blipFill>
+        <p:spPr>
+          <a:xfrm>
+            <a:off x="4331862" y="6453442"/>
+            <a:ext cx="1635975" cy="1695196"/>
+          </a:xfrm>
+          <a:prstGeom prst="rect">
+            <a:avLst/>
+          </a:prstGeom>
+          <a:ln w="3175">
+            <a:miter lim="400000"/>
+          </a:ln>
+        </p:spPr>
+      </p:pic>
+      <p:pic>
+        <p:nvPicPr>
+          <p:cNvPr id="143" name="primefaces_logo.png"/>
+          <p:cNvPicPr>
+            <a:picLocks noChangeAspect="1"/>
+          </p:cNvPicPr>
+          <p:nvPr/>
+        </p:nvPicPr>
+        <p:blipFill>
+          <a:blip r:embed="rId3">
+            <a:extLst/>
+          </a:blip>
+          <a:stretch>
+            <a:fillRect/>
+          </a:stretch>
+        </p:blipFill>
+        <p:spPr>
+          <a:xfrm>
+            <a:off x="1834343" y="4020228"/>
+            <a:ext cx="3984460" cy="1165456"/>
+          </a:xfrm>
+          <a:prstGeom prst="rect">
+            <a:avLst/>
+          </a:prstGeom>
+          <a:ln w="3175">
+            <a:miter lim="400000"/>
+          </a:ln>
+        </p:spPr>
+      </p:pic>
+      <p:pic>
+        <p:nvPicPr>
+          <p:cNvPr id="144" name="Captura de pantalla 2017-02-20 a las 18.23.41.png"/>
+          <p:cNvPicPr>
+            <a:picLocks noChangeAspect="1"/>
+          </p:cNvPicPr>
+          <p:nvPr/>
+        </p:nvPicPr>
+        <p:blipFill>
+          <a:blip r:embed="rId4">
+            <a:extLst/>
+          </a:blip>
+          <a:stretch>
+            <a:fillRect/>
+          </a:stretch>
+        </p:blipFill>
+        <p:spPr>
+          <a:xfrm>
+            <a:off x="5834463" y="3243812"/>
+            <a:ext cx="5333699" cy="2718288"/>
+          </a:xfrm>
+          <a:prstGeom prst="rect">
+            <a:avLst/>
+          </a:prstGeom>
+          <a:ln w="3175">
+            <a:miter lim="400000"/>
+          </a:ln>
+        </p:spPr>
+      </p:pic>
+      <p:pic>
+        <p:nvPicPr>
+          <p:cNvPr id="145" name="csstricks_logo.png"/>
+          <p:cNvPicPr>
+            <a:picLocks noChangeAspect="1"/>
+          </p:cNvPicPr>
+          <p:nvPr/>
+        </p:nvPicPr>
+        <p:blipFill>
+          <a:blip r:embed="rId5">
+            <a:extLst/>
+          </a:blip>
+          <a:stretch>
+            <a:fillRect/>
+          </a:stretch>
+        </p:blipFill>
+        <p:spPr>
+          <a:xfrm>
+            <a:off x="6298000" y="6798631"/>
+            <a:ext cx="2714602" cy="1004818"/>
+          </a:xfrm>
+          <a:prstGeom prst="rect">
+            <a:avLst/>
+          </a:prstGeom>
+          <a:ln w="3175">
+            <a:miter lim="400000"/>
+          </a:ln>
+        </p:spPr>
+      </p:pic>
+    </p:spTree>
+  </p:cSld>
+  <p:clrMapOvr>
+    <a:masterClrMapping/>
+  </p:clrMapOvr>
+  <p:transition xmlns:p14="http://schemas.microsoft.com/office/powerpoint/2010/main" spd="med" advClick="1"/>
+  <p:timing>
+    <p:tnLst>
+      <p:par>
+        <p:cTn id="1" nodeType="tmRoot" restart="never" dur="indefinite" fill="hold">
+          <p:childTnLst>
+            <p:seq concurrent="1" prevAc="none" nextAc="seek">
+              <p:cTn id="2" nodeType="mainSeq" dur="indefinite" fill="hold">
+                <p:childTnLst>
+                  <p:par>
+                    <p:cTn id="3" fill="hold">
+                      <p:stCondLst>
+                        <p:cond delay="indefinite"/>
+                      </p:stCondLst>
+                      <p:childTnLst>
+                        <p:par>
+                          <p:cTn id="4" fill="hold">
+                            <p:stCondLst>
+                              <p:cond delay="0"/>
+                            </p:stCondLst>
+                            <p:childTnLst>
+                              <p:par>
+                                <p:cTn id="5" presetClass="entr" nodeType="clickEffect" presetSubtype="0" presetID="1" grpId="1" fill="hold">
+                                  <p:stCondLst>
+                                    <p:cond delay="0"/>
+                                  </p:stCondLst>
+                                  <p:iterate type="el" backwards="0">
+                                    <p:tmAbs val="0"/>
+                                  </p:iterate>
+                                  <p:childTnLst>
+                                    <p:set>
+                                      <p:cBhvr>
+                                        <p:cTn id="6" fill="hold"/>
+                                        <p:tgtEl>
+                                          <p:spTgt spid="143"/>
+                                        </p:tgtEl>
+                                        <p:attrNameLst>
+                                          <p:attrName>style.visibility</p:attrName>
+                                        </p:attrNameLst>
+                                      </p:cBhvr>
+                                      <p:to>
+                                        <p:strVal val="visible"/>
+                                      </p:to>
+                                    </p:set>
+                                  </p:childTnLst>
+                                </p:cTn>
+                              </p:par>
+                            </p:childTnLst>
+                          </p:cTn>
+                        </p:par>
+                      </p:childTnLst>
+                    </p:cTn>
+                  </p:par>
+                  <p:par>
+                    <p:cTn id="7" fill="hold">
+                      <p:stCondLst>
+                        <p:cond delay="indefinite"/>
+                      </p:stCondLst>
+                      <p:childTnLst>
+                        <p:par>
+                          <p:cTn id="8" fill="hold">
+                            <p:stCondLst>
+                              <p:cond delay="0"/>
+                            </p:stCondLst>
+                            <p:childTnLst>
+                              <p:par>
+                                <p:cTn id="9" presetClass="entr" nodeType="clickEffect" presetSubtype="0" presetID="1" grpId="2" fill="hold">
+                                  <p:stCondLst>
+                                    <p:cond delay="0"/>
+                                  </p:stCondLst>
+                                  <p:iterate type="el" backwards="0">
+                                    <p:tmAbs val="0"/>
+                                  </p:iterate>
+                                  <p:childTnLst>
+                                    <p:set>
+                                      <p:cBhvr>
+                                        <p:cTn id="10" fill="hold"/>
+                                        <p:tgtEl>
+                                          <p:spTgt spid="144"/>
+                                        </p:tgtEl>
+                                        <p:attrNameLst>
+                                          <p:attrName>style.visibility</p:attrName>
+                                        </p:attrNameLst>
+                                      </p:cBhvr>
+                                      <p:to>
+                                        <p:strVal val="visible"/>
+                                      </p:to>
+                                    </p:set>
+                                  </p:childTnLst>
+                                </p:cTn>
+                              </p:par>
+                            </p:childTnLst>
+                          </p:cTn>
+                        </p:par>
+                      </p:childTnLst>
+                    </p:cTn>
+                  </p:par>
+                  <p:par>
+                    <p:cTn id="11" fill="hold">
+                      <p:stCondLst>
+                        <p:cond delay="indefinite"/>
+                      </p:stCondLst>
+                      <p:childTnLst>
+                        <p:par>
+                          <p:cTn id="12" fill="hold">
+                            <p:stCondLst>
+                              <p:cond delay="0"/>
+                            </p:stCondLst>
+                            <p:childTnLst>
+                              <p:par>
+                                <p:cTn id="13" presetClass="entr" nodeType="clickEffect" presetSubtype="0" presetID="1" grpId="3" fill="hold">
+                                  <p:stCondLst>
+                                    <p:cond delay="0"/>
+                                  </p:stCondLst>
+                                  <p:iterate type="el" backwards="0">
+                                    <p:tmAbs val="0"/>
+                                  </p:iterate>
+                                  <p:childTnLst>
+                                    <p:set>
+                                      <p:cBhvr>
+                                        <p:cTn id="14" fill="hold"/>
+                                        <p:tgtEl>
+                                          <p:spTgt spid="142"/>
+                                        </p:tgtEl>
+                                        <p:attrNameLst>
+                                          <p:attrName>style.visibility</p:attrName>
+                                        </p:attrNameLst>
+                                      </p:cBhvr>
+                                      <p:to>
+                                        <p:strVal val="visible"/>
+                                      </p:to>
+                                    </p:set>
+                                  </p:childTnLst>
+                                </p:cTn>
+                              </p:par>
+                            </p:childTnLst>
+                          </p:cTn>
+                        </p:par>
+                      </p:childTnLst>
+                    </p:cTn>
+                  </p:par>
+                  <p:par>
+                    <p:cTn id="15" fill="hold">
+                      <p:stCondLst>
+                        <p:cond delay="indefinite"/>
+                      </p:stCondLst>
+                      <p:childTnLst>
+                        <p:par>
+                          <p:cTn id="16" fill="hold">
+                            <p:stCondLst>
+                              <p:cond delay="0"/>
+                            </p:stCondLst>
+                            <p:childTnLst>
+                              <p:par>
+                                <p:cTn id="17" presetClass="entr" nodeType="clickEffect" presetSubtype="0" presetID="1" grpId="4" fill="hold">
+                                  <p:stCondLst>
+                                    <p:cond delay="0"/>
+                                  </p:stCondLst>
+                                  <p:iterate type="el" backwards="0">
+                                    <p:tmAbs val="0"/>
+                                  </p:iterate>
+                                  <p:childTnLst>
+                                    <p:set>
+                                      <p:cBhvr>
+                                        <p:cTn id="18" fill="hold"/>
+                                        <p:tgtEl>
+                                          <p:spTgt spid="145"/>
+                                        </p:tgtEl>
+                                        <p:attrNameLst>
+                                          <p:attrName>style.visibility</p:attrName>
+                                        </p:attrNameLst>
+                                      </p:cBhvr>
+                                      <p:to>
+                                        <p:strVal val="visible"/>
+                                      </p:to>
+                                    </p:set>
+                                  </p:childTnLst>
+                                </p:cTn>
+                              </p:par>
+                            </p:childTnLst>
+                          </p:cTn>
+                        </p:par>
+                      </p:childTnLst>
+                    </p:cTn>
+                  </p:par>
+                </p:childTnLst>
+              </p:cTn>
+              <p:prevCondLst>
+                <p:cond evt="onPrev">
+                  <p:tgtEl>
+                    <p:sldTgt/>
+                  </p:tgtEl>
+                </p:cond>
+              </p:prevCondLst>
+              <p:nextCondLst>
+                <p:cond evt="onNext">
+                  <p:tgtEl>
+                    <p:sldTgt/>
+                  </p:tgtEl>
+                </p:cond>
+              </p:nextCondLst>
+            </p:seq>
+          </p:childTnLst>
+        </p:cTn>
+      </p:par>
+    </p:tnLst>
+    <p:bldLst>
+      <p:bldP build="whole" bldLvl="1" animBg="1" rev="0" advAuto="0" spid="142" grpId="3"/>
+      <p:bldP build="whole" bldLvl="1" animBg="1" rev="0" advAuto="0" spid="145" grpId="4"/>
+      <p:bldP build="whole" bldLvl="1" animBg="1" rev="0" advAuto="0" spid="143" grpId="1"/>
+      <p:bldP build="whole" bldLvl="1" animBg="1" rev="0" advAuto="0" spid="144" grpId="2"/>
+    </p:bldLst>
+  </p:timing>
+</p:sld>
+</file>
+
+<file path=ppt/slides/slide8.xml><?xml version="1.0" encoding="utf-8"?>
+<p:sld xmlns:a="http://schemas.openxmlformats.org/drawingml/2006/main" xmlns:r="http://schemas.openxmlformats.org/officeDocument/2006/relationships" xmlns:p="http://schemas.openxmlformats.org/presentationml/2006/main" showMasterSp="1" showMasterPhAnim="1">
+  <p:cSld>
+    <p:bg>
+      <p:bgPr>
+        <a:solidFill>
+          <a:srgbClr val="FFFFFF"/>
+        </a:solidFill>
+      </p:bgPr>
+    </p:bg>
+    <p:spTree>
+      <p:nvGrpSpPr>
+        <p:cNvPr id="1" name=""/>
+        <p:cNvGrpSpPr/>
+        <p:nvPr/>
+      </p:nvGrpSpPr>
+      <p:grpSpPr>
+        <a:xfrm>
+          <a:off x="0" y="0"/>
+          <a:ext cx="0" cy="0"/>
+          <a:chOff x="0" y="0"/>
+          <a:chExt cx="0" cy="0"/>
+        </a:xfrm>
+      </p:grpSpPr>
+      <p:sp>
+        <p:nvSpPr>
+          <p:cNvPr id="147" name="Shape 147"/>
+          <p:cNvSpPr/>
+          <p:nvPr>
+            <p:ph type="title"/>
+          </p:nvPr>
+        </p:nvSpPr>
+        <p:spPr>
+          <a:prstGeom prst="rect">
+            <a:avLst/>
+          </a:prstGeom>
+        </p:spPr>
+        <p:txBody>
+          <a:bodyPr/>
+          <a:lstStyle/>
+          <a:p>
+            <a:pPr/>
+            <a:r>
+              <a:t>¿Qué es flexbox?</a:t>
+            </a:r>
+          </a:p>
+        </p:txBody>
+      </p:sp>
+      <p:sp>
+        <p:nvSpPr>
+          <p:cNvPr id="148" name="Shape 148"/>
+          <p:cNvSpPr/>
+          <p:nvPr/>
+        </p:nvSpPr>
+        <p:spPr>
+          <a:xfrm>
+            <a:off x="1748982" y="3419475"/>
+            <a:ext cx="12921118" cy="3543301"/>
+          </a:xfrm>
+          <a:prstGeom prst="rect">
+            <a:avLst/>
+          </a:prstGeom>
+          <a:ln w="3175">
+            <a:miter lim="400000"/>
+          </a:ln>
+          <a:extLst>
+            <a:ext uri="{C572A759-6A51-4108-AA02-DFA0A04FC94B}">
+              <ma14:wrappingTextBoxFlag xmlns:ma14="http://schemas.microsoft.com/office/mac/drawingml/2011/main" val="1"/>
+            </a:ext>
+          </a:extLst>
+        </p:spPr>
+        <p:txBody>
+          <a:bodyPr wrap="none" lIns="38100" tIns="38100" rIns="38100" bIns="38100" anchor="ctr">
+            <a:spAutoFit/>
+          </a:bodyPr>
+          <a:lstStyle/>
+          <a:p>
+            <a:pPr marL="384865" indent="-384865" algn="l">
+              <a:lnSpc>
+                <a:spcPct val="150000"/>
+              </a:lnSpc>
+              <a:buClr>
+                <a:srgbClr val="535353"/>
+              </a:buClr>
+              <a:buSzPct val="82000"/>
+              <a:buChar char="-"/>
+            </a:pPr>
+            <a:r>
+              <a:t>‘Nuevo’ modo de </a:t>
+            </a:r>
+            <a:r>
+              <a:rPr i="1">
+                <a:latin typeface="Gill Sans"/>
+                <a:ea typeface="Gill Sans"/>
+                <a:cs typeface="Gill Sans"/>
+                <a:sym typeface="Gill Sans"/>
+              </a:rPr>
+              <a:t>layout</a:t>
+            </a:r>
+            <a:r>
+              <a:t> para nuestras páginas web</a:t>
+            </a:r>
+          </a:p>
+          <a:p>
+            <a:pPr marL="384865" indent="-384865" algn="l">
+              <a:lnSpc>
+                <a:spcPct val="150000"/>
+              </a:lnSpc>
+              <a:buClr>
+                <a:srgbClr val="535353"/>
+              </a:buClr>
+              <a:buSzPct val="82000"/>
+              <a:buChar char="-"/>
+            </a:pPr>
+            <a:r>
+              <a:t>Ofrece la posibilidad al contenedor de alterar el orden de sus elementos</a:t>
+            </a:r>
+          </a:p>
+          <a:p>
+            <a:pPr marL="384865" indent="-384865" algn="l">
+              <a:lnSpc>
+                <a:spcPct val="150000"/>
+              </a:lnSpc>
+              <a:buClr>
+                <a:srgbClr val="535353"/>
+              </a:buClr>
+              <a:buSzPct val="82000"/>
+              <a:buChar char="-"/>
+            </a:pPr>
+            <a:r>
+              <a:t>Permite gestionar el espacio libre y cómo los elementos lo ocupan</a:t>
+            </a:r>
+          </a:p>
+          <a:p>
+            <a:pPr marL="384865" indent="-384865" algn="l">
+              <a:lnSpc>
+                <a:spcPct val="150000"/>
+              </a:lnSpc>
+              <a:buClr>
+                <a:srgbClr val="535353"/>
+              </a:buClr>
+              <a:buSzPct val="82000"/>
+              <a:buChar char="-"/>
+            </a:pPr>
+            <a:r>
+              <a:t>Es agnóstico a la dirección</a:t>
+            </a:r>
+          </a:p>
+          <a:p>
+            <a:pPr marL="384865" indent="-384865" algn="l">
+              <a:lnSpc>
+                <a:spcPct val="150000"/>
+              </a:lnSpc>
+              <a:buClr>
+                <a:srgbClr val="535353"/>
+              </a:buClr>
+              <a:buSzPct val="82000"/>
+              <a:buChar char="-"/>
+            </a:pPr>
+            <a:r>
+              <a:t>Uno de los mejores amigos de los diseños </a:t>
+            </a:r>
+            <a:r>
+              <a:rPr i="1">
+                <a:latin typeface="Gill Sans"/>
+                <a:ea typeface="Gill Sans"/>
+                <a:cs typeface="Gill Sans"/>
+                <a:sym typeface="Gill Sans"/>
+              </a:rPr>
+              <a:t>responsive</a:t>
+            </a:r>
+            <a:r>
+              <a:t> </a:t>
             </a:r>
           </a:p>
         </p:txBody>
@@ -3769,6 +6102,820 @@
     <a:masterClrMapping/>
   </p:clrMapOvr>
   <p:transition xmlns:p14="http://schemas.microsoft.com/office/powerpoint/2010/main" spd="med" advClick="1"/>
+  <p:timing>
+    <p:tnLst>
+      <p:par>
+        <p:cTn id="1" nodeType="tmRoot" restart="never" dur="indefinite" fill="hold">
+          <p:childTnLst>
+            <p:seq concurrent="1" prevAc="none" nextAc="seek">
+              <p:cTn id="2" nodeType="mainSeq" dur="indefinite" fill="hold">
+                <p:childTnLst>
+                  <p:par>
+                    <p:cTn id="3" fill="hold">
+                      <p:stCondLst>
+                        <p:cond delay="indefinite"/>
+                      </p:stCondLst>
+                      <p:childTnLst>
+                        <p:par>
+                          <p:cTn id="4" fill="hold">
+                            <p:stCondLst>
+                              <p:cond delay="0"/>
+                            </p:stCondLst>
+                            <p:childTnLst>
+                              <p:par>
+                                <p:cTn id="5" presetClass="entr" nodeType="clickEffect" presetSubtype="0" presetID="1" grpId="1" fill="hold">
+                                  <p:stCondLst>
+                                    <p:cond delay="0"/>
+                                  </p:stCondLst>
+                                  <p:iterate type="el" backwards="0">
+                                    <p:tmAbs val="0"/>
+                                  </p:iterate>
+                                  <p:childTnLst>
+                                    <p:set>
+                                      <p:cBhvr>
+                                        <p:cTn id="6" fill="hold"/>
+                                        <p:tgtEl>
+                                          <p:spTgt spid="148">
+                                            <p:bg/>
+                                          </p:spTgt>
+                                        </p:tgtEl>
+                                        <p:attrNameLst>
+                                          <p:attrName>style.visibility</p:attrName>
+                                        </p:attrNameLst>
+                                      </p:cBhvr>
+                                      <p:to>
+                                        <p:strVal val="visible"/>
+                                      </p:to>
+                                    </p:set>
+                                  </p:childTnLst>
+                                </p:cTn>
+                              </p:par>
+                              <p:par>
+                                <p:cTn id="7" presetClass="entr" nodeType="withEffect" presetSubtype="0" presetID="1" grpId="1" fill="hold">
+                                  <p:stCondLst>
+                                    <p:cond delay="0"/>
+                                  </p:stCondLst>
+                                  <p:iterate type="el" backwards="0">
+                                    <p:tmAbs val="0"/>
+                                  </p:iterate>
+                                  <p:childTnLst>
+                                    <p:set>
+                                      <p:cBhvr>
+                                        <p:cTn id="8" fill="hold"/>
+                                        <p:tgtEl>
+                                          <p:spTgt spid="148">
+                                            <p:txEl>
+                                              <p:pRg st="0" end="0"/>
+                                            </p:txEl>
+                                          </p:spTgt>
+                                        </p:tgtEl>
+                                        <p:attrNameLst>
+                                          <p:attrName>style.visibility</p:attrName>
+                                        </p:attrNameLst>
+                                      </p:cBhvr>
+                                      <p:to>
+                                        <p:strVal val="visible"/>
+                                      </p:to>
+                                    </p:set>
+                                  </p:childTnLst>
+                                </p:cTn>
+                              </p:par>
+                            </p:childTnLst>
+                          </p:cTn>
+                        </p:par>
+                      </p:childTnLst>
+                    </p:cTn>
+                  </p:par>
+                  <p:par>
+                    <p:cTn id="9" fill="hold">
+                      <p:stCondLst>
+                        <p:cond delay="indefinite"/>
+                      </p:stCondLst>
+                      <p:childTnLst>
+                        <p:par>
+                          <p:cTn id="10" fill="hold">
+                            <p:stCondLst>
+                              <p:cond delay="0"/>
+                            </p:stCondLst>
+                            <p:childTnLst>
+                              <p:par>
+                                <p:cTn id="11" presetClass="entr" nodeType="clickEffect" presetSubtype="0" presetID="1" grpId="1" fill="hold">
+                                  <p:stCondLst>
+                                    <p:cond delay="0"/>
+                                  </p:stCondLst>
+                                  <p:iterate type="el" backwards="0">
+                                    <p:tmAbs val="0"/>
+                                  </p:iterate>
+                                  <p:childTnLst>
+                                    <p:set>
+                                      <p:cBhvr>
+                                        <p:cTn id="12" fill="hold"/>
+                                        <p:tgtEl>
+                                          <p:spTgt spid="148">
+                                            <p:txEl>
+                                              <p:pRg st="1" end="1"/>
+                                            </p:txEl>
+                                          </p:spTgt>
+                                        </p:tgtEl>
+                                        <p:attrNameLst>
+                                          <p:attrName>style.visibility</p:attrName>
+                                        </p:attrNameLst>
+                                      </p:cBhvr>
+                                      <p:to>
+                                        <p:strVal val="visible"/>
+                                      </p:to>
+                                    </p:set>
+                                  </p:childTnLst>
+                                </p:cTn>
+                              </p:par>
+                            </p:childTnLst>
+                          </p:cTn>
+                        </p:par>
+                      </p:childTnLst>
+                    </p:cTn>
+                  </p:par>
+                  <p:par>
+                    <p:cTn id="13" fill="hold">
+                      <p:stCondLst>
+                        <p:cond delay="indefinite"/>
+                      </p:stCondLst>
+                      <p:childTnLst>
+                        <p:par>
+                          <p:cTn id="14" fill="hold">
+                            <p:stCondLst>
+                              <p:cond delay="0"/>
+                            </p:stCondLst>
+                            <p:childTnLst>
+                              <p:par>
+                                <p:cTn id="15" presetClass="entr" nodeType="clickEffect" presetSubtype="0" presetID="1" grpId="1" fill="hold">
+                                  <p:stCondLst>
+                                    <p:cond delay="0"/>
+                                  </p:stCondLst>
+                                  <p:iterate type="el" backwards="0">
+                                    <p:tmAbs val="0"/>
+                                  </p:iterate>
+                                  <p:childTnLst>
+                                    <p:set>
+                                      <p:cBhvr>
+                                        <p:cTn id="16" fill="hold"/>
+                                        <p:tgtEl>
+                                          <p:spTgt spid="148">
+                                            <p:txEl>
+                                              <p:pRg st="2" end="2"/>
+                                            </p:txEl>
+                                          </p:spTgt>
+                                        </p:tgtEl>
+                                        <p:attrNameLst>
+                                          <p:attrName>style.visibility</p:attrName>
+                                        </p:attrNameLst>
+                                      </p:cBhvr>
+                                      <p:to>
+                                        <p:strVal val="visible"/>
+                                      </p:to>
+                                    </p:set>
+                                  </p:childTnLst>
+                                </p:cTn>
+                              </p:par>
+                            </p:childTnLst>
+                          </p:cTn>
+                        </p:par>
+                      </p:childTnLst>
+                    </p:cTn>
+                  </p:par>
+                  <p:par>
+                    <p:cTn id="17" fill="hold">
+                      <p:stCondLst>
+                        <p:cond delay="indefinite"/>
+                      </p:stCondLst>
+                      <p:childTnLst>
+                        <p:par>
+                          <p:cTn id="18" fill="hold">
+                            <p:stCondLst>
+                              <p:cond delay="0"/>
+                            </p:stCondLst>
+                            <p:childTnLst>
+                              <p:par>
+                                <p:cTn id="19" presetClass="entr" nodeType="clickEffect" presetSubtype="0" presetID="1" grpId="1" fill="hold">
+                                  <p:stCondLst>
+                                    <p:cond delay="0"/>
+                                  </p:stCondLst>
+                                  <p:iterate type="el" backwards="0">
+                                    <p:tmAbs val="0"/>
+                                  </p:iterate>
+                                  <p:childTnLst>
+                                    <p:set>
+                                      <p:cBhvr>
+                                        <p:cTn id="20" fill="hold"/>
+                                        <p:tgtEl>
+                                          <p:spTgt spid="148">
+                                            <p:txEl>
+                                              <p:pRg st="3" end="3"/>
+                                            </p:txEl>
+                                          </p:spTgt>
+                                        </p:tgtEl>
+                                        <p:attrNameLst>
+                                          <p:attrName>style.visibility</p:attrName>
+                                        </p:attrNameLst>
+                                      </p:cBhvr>
+                                      <p:to>
+                                        <p:strVal val="visible"/>
+                                      </p:to>
+                                    </p:set>
+                                  </p:childTnLst>
+                                </p:cTn>
+                              </p:par>
+                            </p:childTnLst>
+                          </p:cTn>
+                        </p:par>
+                      </p:childTnLst>
+                    </p:cTn>
+                  </p:par>
+                  <p:par>
+                    <p:cTn id="21" fill="hold">
+                      <p:stCondLst>
+                        <p:cond delay="indefinite"/>
+                      </p:stCondLst>
+                      <p:childTnLst>
+                        <p:par>
+                          <p:cTn id="22" fill="hold">
+                            <p:stCondLst>
+                              <p:cond delay="0"/>
+                            </p:stCondLst>
+                            <p:childTnLst>
+                              <p:par>
+                                <p:cTn id="23" presetClass="entr" nodeType="clickEffect" presetSubtype="0" presetID="1" grpId="1" fill="hold">
+                                  <p:stCondLst>
+                                    <p:cond delay="0"/>
+                                  </p:stCondLst>
+                                  <p:iterate type="el" backwards="0">
+                                    <p:tmAbs val="0"/>
+                                  </p:iterate>
+                                  <p:childTnLst>
+                                    <p:set>
+                                      <p:cBhvr>
+                                        <p:cTn id="24" fill="hold"/>
+                                        <p:tgtEl>
+                                          <p:spTgt spid="148">
+                                            <p:txEl>
+                                              <p:pRg st="4" end="4"/>
+                                            </p:txEl>
+                                          </p:spTgt>
+                                        </p:tgtEl>
+                                        <p:attrNameLst>
+                                          <p:attrName>style.visibility</p:attrName>
+                                        </p:attrNameLst>
+                                      </p:cBhvr>
+                                      <p:to>
+                                        <p:strVal val="visible"/>
+                                      </p:to>
+                                    </p:set>
+                                  </p:childTnLst>
+                                </p:cTn>
+                              </p:par>
+                            </p:childTnLst>
+                          </p:cTn>
+                        </p:par>
+                      </p:childTnLst>
+                    </p:cTn>
+                  </p:par>
+                </p:childTnLst>
+              </p:cTn>
+              <p:prevCondLst>
+                <p:cond evt="onPrev">
+                  <p:tgtEl>
+                    <p:sldTgt/>
+                  </p:tgtEl>
+                </p:cond>
+              </p:prevCondLst>
+              <p:nextCondLst>
+                <p:cond evt="onNext">
+                  <p:tgtEl>
+                    <p:sldTgt/>
+                  </p:tgtEl>
+                </p:cond>
+              </p:nextCondLst>
+            </p:seq>
+          </p:childTnLst>
+        </p:cTn>
+      </p:par>
+    </p:tnLst>
+    <p:bldLst>
+      <p:bldP build="p" bldLvl="5" animBg="1" rev="0" advAuto="0" spid="148" grpId="1"/>
+    </p:bldLst>
+  </p:timing>
+</p:sld>
+</file>
+
+<file path=ppt/slides/slide9.xml><?xml version="1.0" encoding="utf-8"?>
+<p:sld xmlns:a="http://schemas.openxmlformats.org/drawingml/2006/main" xmlns:r="http://schemas.openxmlformats.org/officeDocument/2006/relationships" xmlns:p="http://schemas.openxmlformats.org/presentationml/2006/main" showMasterSp="1" showMasterPhAnim="1">
+  <p:cSld>
+    <p:bg>
+      <p:bgPr>
+        <a:solidFill>
+          <a:srgbClr val="FFFFFF"/>
+        </a:solidFill>
+      </p:bgPr>
+    </p:bg>
+    <p:spTree>
+      <p:nvGrpSpPr>
+        <p:cNvPr id="1" name=""/>
+        <p:cNvGrpSpPr/>
+        <p:nvPr/>
+      </p:nvGrpSpPr>
+      <p:grpSpPr>
+        <a:xfrm>
+          <a:off x="0" y="0"/>
+          <a:ext cx="0" cy="0"/>
+          <a:chOff x="0" y="0"/>
+          <a:chExt cx="0" cy="0"/>
+        </a:xfrm>
+      </p:grpSpPr>
+      <p:sp>
+        <p:nvSpPr>
+          <p:cNvPr id="150" name="Shape 150"/>
+          <p:cNvSpPr/>
+          <p:nvPr>
+            <p:ph type="title"/>
+          </p:nvPr>
+        </p:nvSpPr>
+        <p:spPr>
+          <a:prstGeom prst="rect">
+            <a:avLst/>
+          </a:prstGeom>
+        </p:spPr>
+        <p:txBody>
+          <a:bodyPr/>
+          <a:lstStyle>
+            <a:lvl1pPr defTabSz="502412">
+              <a:defRPr sz="6020"/>
+            </a:lvl1pPr>
+          </a:lstStyle>
+          <a:p>
+            <a:pPr/>
+            <a:r>
+              <a:t>¿Pero es realmente nuevo?</a:t>
+            </a:r>
+          </a:p>
+        </p:txBody>
+      </p:sp>
+      <p:sp>
+        <p:nvSpPr>
+          <p:cNvPr id="151" name="Shape 151"/>
+          <p:cNvSpPr/>
+          <p:nvPr>
+            <p:ph type="body" sz="quarter" idx="1"/>
+          </p:nvPr>
+        </p:nvSpPr>
+        <p:spPr>
+          <a:xfrm>
+            <a:off x="1892299" y="3267074"/>
+            <a:ext cx="9220202" cy="2290206"/>
+          </a:xfrm>
+          <a:prstGeom prst="rect">
+            <a:avLst/>
+          </a:prstGeom>
+        </p:spPr>
+        <p:txBody>
+          <a:bodyPr/>
+          <a:lstStyle/>
+          <a:p>
+            <a:pPr marL="443274" indent="-443274" defTabSz="519937">
+              <a:lnSpc>
+                <a:spcPct val="100000"/>
+              </a:lnSpc>
+              <a:spcBef>
+                <a:spcPts val="4000"/>
+              </a:spcBef>
+              <a:defRPr sz="3916"/>
+            </a:pPr>
+            <a:r>
+              <a:t>NO</a:t>
+            </a:r>
+          </a:p>
+          <a:p>
+            <a:pPr marL="443274" indent="-443274" defTabSz="519937">
+              <a:lnSpc>
+                <a:spcPct val="100000"/>
+              </a:lnSpc>
+              <a:spcBef>
+                <a:spcPts val="4000"/>
+              </a:spcBef>
+              <a:defRPr sz="3916"/>
+            </a:pPr>
+            <a:r>
+              <a:t>La especificación ha ido evolucionando (mucho) con el paso de los años</a:t>
+            </a:r>
+          </a:p>
+        </p:txBody>
+      </p:sp>
+      <p:pic>
+        <p:nvPicPr>
+          <p:cNvPr id="152" name="Captura de pantalla 2017-02-20 a las 19.01.57.png"/>
+          <p:cNvPicPr>
+            <a:picLocks noChangeAspect="1"/>
+          </p:cNvPicPr>
+          <p:nvPr/>
+        </p:nvPicPr>
+        <p:blipFill>
+          <a:blip r:embed="rId2">
+            <a:extLst/>
+          </a:blip>
+          <a:stretch>
+            <a:fillRect/>
+          </a:stretch>
+        </p:blipFill>
+        <p:spPr>
+          <a:xfrm>
+            <a:off x="3458166" y="5930274"/>
+            <a:ext cx="3842437" cy="2230568"/>
+          </a:xfrm>
+          <a:prstGeom prst="rect">
+            <a:avLst/>
+          </a:prstGeom>
+          <a:ln w="3175">
+            <a:miter lim="400000"/>
+          </a:ln>
+        </p:spPr>
+      </p:pic>
+      <p:sp>
+        <p:nvSpPr>
+          <p:cNvPr id="153" name="Shape 153"/>
+          <p:cNvSpPr/>
+          <p:nvPr/>
+        </p:nvSpPr>
+        <p:spPr>
+          <a:xfrm>
+            <a:off x="8512175" y="5924550"/>
+            <a:ext cx="952501" cy="571501"/>
+          </a:xfrm>
+          <a:prstGeom prst="rect">
+            <a:avLst/>
+          </a:prstGeom>
+          <a:ln w="3175">
+            <a:miter lim="400000"/>
+          </a:ln>
+          <a:extLst>
+            <a:ext uri="{C572A759-6A51-4108-AA02-DFA0A04FC94B}">
+              <ma14:wrappingTextBoxFlag xmlns:ma14="http://schemas.microsoft.com/office/mac/drawingml/2011/main" val="1"/>
+            </a:ext>
+          </a:extLst>
+        </p:spPr>
+        <p:txBody>
+          <a:bodyPr wrap="none" lIns="38100" tIns="38100" rIns="38100" bIns="38100" anchor="ctr">
+            <a:spAutoFit/>
+          </a:bodyPr>
+          <a:lstStyle/>
+          <a:p>
+            <a:pPr/>
+            <a:r>
+              <a:t>2016</a:t>
+            </a:r>
+          </a:p>
+        </p:txBody>
+      </p:sp>
+      <p:sp>
+        <p:nvSpPr>
+          <p:cNvPr id="154" name="Shape 154"/>
+          <p:cNvSpPr/>
+          <p:nvPr/>
+        </p:nvSpPr>
+        <p:spPr>
+          <a:xfrm>
+            <a:off x="8170192" y="7610475"/>
+            <a:ext cx="1636466" cy="571501"/>
+          </a:xfrm>
+          <a:prstGeom prst="rect">
+            <a:avLst/>
+          </a:prstGeom>
+          <a:ln w="3175">
+            <a:miter lim="400000"/>
+          </a:ln>
+          <a:extLst>
+            <a:ext uri="{C572A759-6A51-4108-AA02-DFA0A04FC94B}">
+              <ma14:wrappingTextBoxFlag xmlns:ma14="http://schemas.microsoft.com/office/mac/drawingml/2011/main" val="1"/>
+            </a:ext>
+          </a:extLst>
+        </p:spPr>
+        <p:txBody>
+          <a:bodyPr wrap="none" lIns="38100" tIns="38100" rIns="38100" bIns="38100" anchor="ctr">
+            <a:spAutoFit/>
+          </a:bodyPr>
+          <a:lstStyle>
+            <a:lvl1pPr>
+              <a:defRPr b="1">
+                <a:latin typeface="Gill Sans"/>
+                <a:ea typeface="Gill Sans"/>
+                <a:cs typeface="Gill Sans"/>
+                <a:sym typeface="Gill Sans"/>
+              </a:defRPr>
+            </a:lvl1pPr>
+          </a:lstStyle>
+          <a:p>
+            <a:pPr/>
+            <a:r>
+              <a:t>¡¡2009!!</a:t>
+            </a:r>
+          </a:p>
+        </p:txBody>
+      </p:sp>
+    </p:spTree>
+  </p:cSld>
+  <p:clrMapOvr>
+    <a:masterClrMapping/>
+  </p:clrMapOvr>
+  <p:transition xmlns:p14="http://schemas.microsoft.com/office/powerpoint/2010/main" spd="med" advClick="1"/>
+  <p:timing>
+    <p:tnLst>
+      <p:par>
+        <p:cTn id="1" nodeType="tmRoot" restart="never" dur="indefinite" fill="hold">
+          <p:childTnLst>
+            <p:seq concurrent="1" prevAc="none" nextAc="seek">
+              <p:cTn id="2" nodeType="mainSeq" dur="indefinite" fill="hold">
+                <p:childTnLst>
+                  <p:par>
+                    <p:cTn id="3" fill="hold">
+                      <p:stCondLst>
+                        <p:cond delay="indefinite"/>
+                      </p:stCondLst>
+                      <p:childTnLst>
+                        <p:par>
+                          <p:cTn id="4" fill="hold">
+                            <p:stCondLst>
+                              <p:cond delay="0"/>
+                            </p:stCondLst>
+                            <p:childTnLst>
+                              <p:par>
+                                <p:cTn id="5" presetClass="entr" nodeType="clickEffect" presetSubtype="0" presetID="1" grpId="1" fill="hold">
+                                  <p:stCondLst>
+                                    <p:cond delay="0"/>
+                                  </p:stCondLst>
+                                  <p:iterate type="el" backwards="0">
+                                    <p:tmAbs val="0"/>
+                                  </p:iterate>
+                                  <p:childTnLst>
+                                    <p:set>
+                                      <p:cBhvr>
+                                        <p:cTn id="6" fill="hold"/>
+                                        <p:tgtEl>
+                                          <p:spTgt spid="151">
+                                            <p:bg/>
+                                          </p:spTgt>
+                                        </p:tgtEl>
+                                        <p:attrNameLst>
+                                          <p:attrName>style.visibility</p:attrName>
+                                        </p:attrNameLst>
+                                      </p:cBhvr>
+                                      <p:to>
+                                        <p:strVal val="visible"/>
+                                      </p:to>
+                                    </p:set>
+                                  </p:childTnLst>
+                                </p:cTn>
+                              </p:par>
+                              <p:par>
+                                <p:cTn id="7" presetClass="entr" nodeType="withEffect" presetSubtype="0" presetID="1" grpId="1" fill="hold">
+                                  <p:stCondLst>
+                                    <p:cond delay="0"/>
+                                  </p:stCondLst>
+                                  <p:iterate type="el" backwards="0">
+                                    <p:tmAbs val="0"/>
+                                  </p:iterate>
+                                  <p:childTnLst>
+                                    <p:set>
+                                      <p:cBhvr>
+                                        <p:cTn id="8" fill="hold"/>
+                                        <p:tgtEl>
+                                          <p:spTgt spid="151">
+                                            <p:txEl>
+                                              <p:pRg st="0" end="0"/>
+                                            </p:txEl>
+                                          </p:spTgt>
+                                        </p:tgtEl>
+                                        <p:attrNameLst>
+                                          <p:attrName>style.visibility</p:attrName>
+                                        </p:attrNameLst>
+                                      </p:cBhvr>
+                                      <p:to>
+                                        <p:strVal val="visible"/>
+                                      </p:to>
+                                    </p:set>
+                                  </p:childTnLst>
+                                </p:cTn>
+                              </p:par>
+                            </p:childTnLst>
+                          </p:cTn>
+                        </p:par>
+                      </p:childTnLst>
+                    </p:cTn>
+                  </p:par>
+                  <p:par>
+                    <p:cTn id="9" fill="hold">
+                      <p:stCondLst>
+                        <p:cond delay="indefinite"/>
+                      </p:stCondLst>
+                      <p:childTnLst>
+                        <p:par>
+                          <p:cTn id="10" fill="hold">
+                            <p:stCondLst>
+                              <p:cond delay="0"/>
+                            </p:stCondLst>
+                            <p:childTnLst>
+                              <p:par>
+                                <p:cTn id="11" presetClass="entr" nodeType="clickEffect" presetSubtype="0" presetID="1" grpId="1" fill="hold">
+                                  <p:stCondLst>
+                                    <p:cond delay="0"/>
+                                  </p:stCondLst>
+                                  <p:iterate type="el" backwards="0">
+                                    <p:tmAbs val="0"/>
+                                  </p:iterate>
+                                  <p:childTnLst>
+                                    <p:set>
+                                      <p:cBhvr>
+                                        <p:cTn id="12" fill="hold"/>
+                                        <p:tgtEl>
+                                          <p:spTgt spid="151">
+                                            <p:txEl>
+                                              <p:pRg st="1" end="1"/>
+                                            </p:txEl>
+                                          </p:spTgt>
+                                        </p:tgtEl>
+                                        <p:attrNameLst>
+                                          <p:attrName>style.visibility</p:attrName>
+                                        </p:attrNameLst>
+                                      </p:cBhvr>
+                                      <p:to>
+                                        <p:strVal val="visible"/>
+                                      </p:to>
+                                    </p:set>
+                                  </p:childTnLst>
+                                </p:cTn>
+                              </p:par>
+                            </p:childTnLst>
+                          </p:cTn>
+                        </p:par>
+                      </p:childTnLst>
+                    </p:cTn>
+                  </p:par>
+                  <p:par>
+                    <p:cTn id="13" fill="hold">
+                      <p:stCondLst>
+                        <p:cond delay="indefinite"/>
+                      </p:stCondLst>
+                      <p:childTnLst>
+                        <p:par>
+                          <p:cTn id="14" fill="hold">
+                            <p:stCondLst>
+                              <p:cond delay="0"/>
+                            </p:stCondLst>
+                            <p:childTnLst>
+                              <p:par>
+                                <p:cTn id="15" presetClass="entr" nodeType="clickEffect" presetSubtype="0" presetID="1" grpId="2" fill="hold">
+                                  <p:stCondLst>
+                                    <p:cond delay="0"/>
+                                  </p:stCondLst>
+                                  <p:iterate type="el" backwards="0">
+                                    <p:tmAbs val="0"/>
+                                  </p:iterate>
+                                  <p:childTnLst>
+                                    <p:set>
+                                      <p:cBhvr>
+                                        <p:cTn id="16" fill="hold"/>
+                                        <p:tgtEl>
+                                          <p:spTgt spid="152"/>
+                                        </p:tgtEl>
+                                        <p:attrNameLst>
+                                          <p:attrName>style.visibility</p:attrName>
+                                        </p:attrNameLst>
+                                      </p:cBhvr>
+                                      <p:to>
+                                        <p:strVal val="visible"/>
+                                      </p:to>
+                                    </p:set>
+                                  </p:childTnLst>
+                                </p:cTn>
+                              </p:par>
+                            </p:childTnLst>
+                          </p:cTn>
+                        </p:par>
+                      </p:childTnLst>
+                    </p:cTn>
+                  </p:par>
+                  <p:par>
+                    <p:cTn id="17" fill="hold">
+                      <p:stCondLst>
+                        <p:cond delay="indefinite"/>
+                      </p:stCondLst>
+                      <p:childTnLst>
+                        <p:par>
+                          <p:cTn id="18" fill="hold">
+                            <p:stCondLst>
+                              <p:cond delay="0"/>
+                            </p:stCondLst>
+                            <p:childTnLst>
+                              <p:par>
+                                <p:cTn id="19" presetClass="entr" nodeType="clickEffect" presetSubtype="0" presetID="1" grpId="3" fill="hold">
+                                  <p:stCondLst>
+                                    <p:cond delay="0"/>
+                                  </p:stCondLst>
+                                  <p:iterate type="el" backwards="0">
+                                    <p:tmAbs val="0"/>
+                                  </p:iterate>
+                                  <p:childTnLst>
+                                    <p:set>
+                                      <p:cBhvr>
+                                        <p:cTn id="20" fill="hold"/>
+                                        <p:tgtEl>
+                                          <p:spTgt spid="153"/>
+                                        </p:tgtEl>
+                                        <p:attrNameLst>
+                                          <p:attrName>style.visibility</p:attrName>
+                                        </p:attrNameLst>
+                                      </p:cBhvr>
+                                      <p:to>
+                                        <p:strVal val="visible"/>
+                                      </p:to>
+                                    </p:set>
+                                  </p:childTnLst>
+                                </p:cTn>
+                              </p:par>
+                            </p:childTnLst>
+                          </p:cTn>
+                        </p:par>
+                      </p:childTnLst>
+                    </p:cTn>
+                  </p:par>
+                  <p:par>
+                    <p:cTn id="21" fill="hold">
+                      <p:stCondLst>
+                        <p:cond delay="indefinite"/>
+                      </p:stCondLst>
+                      <p:childTnLst>
+                        <p:par>
+                          <p:cTn id="22" fill="hold">
+                            <p:stCondLst>
+                              <p:cond delay="0"/>
+                            </p:stCondLst>
+                            <p:childTnLst>
+                              <p:par>
+                                <p:cTn id="23" presetClass="entr" nodeType="clickEffect" presetSubtype="0" presetID="1" grpId="4" fill="hold">
+                                  <p:stCondLst>
+                                    <p:cond delay="0"/>
+                                  </p:stCondLst>
+                                  <p:iterate type="el" backwards="0">
+                                    <p:tmAbs val="0"/>
+                                  </p:iterate>
+                                  <p:childTnLst>
+                                    <p:set>
+                                      <p:cBhvr>
+                                        <p:cTn id="24" fill="hold"/>
+                                        <p:tgtEl>
+                                          <p:spTgt spid="154"/>
+                                        </p:tgtEl>
+                                        <p:attrNameLst>
+                                          <p:attrName>style.visibility</p:attrName>
+                                        </p:attrNameLst>
+                                      </p:cBhvr>
+                                      <p:to>
+                                        <p:strVal val="visible"/>
+                                      </p:to>
+                                    </p:set>
+                                  </p:childTnLst>
+                                </p:cTn>
+                              </p:par>
+                            </p:childTnLst>
+                          </p:cTn>
+                        </p:par>
+                      </p:childTnLst>
+                    </p:cTn>
+                  </p:par>
+                </p:childTnLst>
+              </p:cTn>
+              <p:prevCondLst>
+                <p:cond evt="onPrev">
+                  <p:tgtEl>
+                    <p:sldTgt/>
+                  </p:tgtEl>
+                </p:cond>
+              </p:prevCondLst>
+              <p:nextCondLst>
+                <p:cond evt="onNext">
+                  <p:tgtEl>
+                    <p:sldTgt/>
+                  </p:tgtEl>
+                </p:cond>
+              </p:nextCondLst>
+            </p:seq>
+          </p:childTnLst>
+        </p:cTn>
+      </p:par>
+    </p:tnLst>
+    <p:bldLst>
+      <p:bldP build="whole" bldLvl="1" animBg="1" rev="0" advAuto="0" spid="152" grpId="2"/>
+      <p:bldP build="whole" bldLvl="1" animBg="1" rev="0" advAuto="0" spid="154" grpId="4"/>
+      <p:bldP build="whole" bldLvl="1" animBg="1" rev="0" advAuto="0" spid="153" grpId="3"/>
+      <p:bldP build="p" bldLvl="5" animBg="1" rev="0" advAuto="0" spid="151" grpId="1"/>
+    </p:bldLst>
+  </p:timing>
 </p:sld>
 </file>
 
@@ -3965,14 +7112,14 @@
         <a:solidFill>
           <a:srgbClr val="808785"/>
         </a:solidFill>
-        <a:ln w="12700" cap="flat">
+        <a:ln w="3175" cap="flat">
           <a:noFill/>
           <a:miter lim="400000"/>
         </a:ln>
         <a:effectLst/>
         <a:sp3d/>
       </a:spPr>
-      <a:bodyPr rot="0" spcFirstLastPara="1" vertOverflow="overflow" horzOverflow="overflow" vert="horz" wrap="square" lIns="50800" tIns="50800" rIns="50800" bIns="50800" numCol="1" spcCol="38100" rtlCol="0" anchor="ctr" upright="0">
+      <a:bodyPr rot="0" spcFirstLastPara="1" vertOverflow="overflow" horzOverflow="overflow" vert="horz" wrap="square" lIns="38100" tIns="38100" rIns="38100" bIns="38100" numCol="1" spcCol="38100" rtlCol="0" anchor="ctr" upright="0">
         <a:spAutoFit/>
       </a:bodyPr>
       <a:lstStyle>
@@ -3991,7 +7138,7 @@
           <a:buFontTx/>
           <a:buNone/>
           <a:tabLst/>
-          <a:defRPr b="0" baseline="0" cap="none" i="0" spc="0" strike="noStrike" sz="3600" u="none" kumimoji="0" normalizeH="0">
+          <a:defRPr b="0" baseline="0" cap="none" i="0" spc="0" strike="noStrike" sz="3400" u="none" kumimoji="0" normalizeH="0">
             <a:ln>
               <a:noFill/>
             </a:ln>
@@ -4251,7 +7398,7 @@
     <a:lnDef>
       <a:spPr>
         <a:noFill/>
-        <a:ln w="25400" cap="flat">
+        <a:ln w="12700" cap="flat">
           <a:solidFill>
             <a:srgbClr val="5A5F5E"/>
           </a:solidFill>
@@ -4536,14 +7683,14 @@
     <a:txDef>
       <a:spPr>
         <a:noFill/>
-        <a:ln w="12700" cap="flat">
+        <a:ln w="3175" cap="flat">
           <a:noFill/>
           <a:miter lim="400000"/>
         </a:ln>
         <a:effectLst/>
         <a:sp3d/>
       </a:spPr>
-      <a:bodyPr rot="0" spcFirstLastPara="1" vertOverflow="overflow" horzOverflow="overflow" vert="horz" wrap="square" lIns="50800" tIns="50800" rIns="50800" bIns="50800" numCol="1" spcCol="38100" rtlCol="0" anchor="ctr" upright="0">
+      <a:bodyPr rot="0" spcFirstLastPara="1" vertOverflow="overflow" horzOverflow="overflow" vert="horz" wrap="square" lIns="38100" tIns="38100" rIns="38100" bIns="38100" numCol="1" spcCol="38100" rtlCol="0" anchor="ctr" upright="0">
         <a:spAutoFit/>
       </a:bodyPr>
       <a:lstStyle>
@@ -4562,7 +7709,7 @@
           <a:buFontTx/>
           <a:buNone/>
           <a:tabLst/>
-          <a:defRPr b="0" baseline="0" cap="none" i="0" spc="0" strike="noStrike" sz="3600" u="none" kumimoji="0" normalizeH="0">
+          <a:defRPr b="0" baseline="0" cap="none" i="0" spc="0" strike="noStrike" sz="3400" u="none" kumimoji="0" normalizeH="0">
             <a:ln>
               <a:noFill/>
             </a:ln>
@@ -5016,14 +8163,14 @@
         <a:solidFill>
           <a:srgbClr val="808785"/>
         </a:solidFill>
-        <a:ln w="12700" cap="flat">
+        <a:ln w="3175" cap="flat">
           <a:noFill/>
           <a:miter lim="400000"/>
         </a:ln>
         <a:effectLst/>
         <a:sp3d/>
       </a:spPr>
-      <a:bodyPr rot="0" spcFirstLastPara="1" vertOverflow="overflow" horzOverflow="overflow" vert="horz" wrap="square" lIns="50800" tIns="50800" rIns="50800" bIns="50800" numCol="1" spcCol="38100" rtlCol="0" anchor="ctr" upright="0">
+      <a:bodyPr rot="0" spcFirstLastPara="1" vertOverflow="overflow" horzOverflow="overflow" vert="horz" wrap="square" lIns="38100" tIns="38100" rIns="38100" bIns="38100" numCol="1" spcCol="38100" rtlCol="0" anchor="ctr" upright="0">
         <a:spAutoFit/>
       </a:bodyPr>
       <a:lstStyle>
@@ -5042,7 +8189,7 @@
           <a:buFontTx/>
           <a:buNone/>
           <a:tabLst/>
-          <a:defRPr b="0" baseline="0" cap="none" i="0" spc="0" strike="noStrike" sz="3600" u="none" kumimoji="0" normalizeH="0">
+          <a:defRPr b="0" baseline="0" cap="none" i="0" spc="0" strike="noStrike" sz="3400" u="none" kumimoji="0" normalizeH="0">
             <a:ln>
               <a:noFill/>
             </a:ln>
@@ -5302,7 +8449,7 @@
     <a:lnDef>
       <a:spPr>
         <a:noFill/>
-        <a:ln w="25400" cap="flat">
+        <a:ln w="12700" cap="flat">
           <a:solidFill>
             <a:srgbClr val="5A5F5E"/>
           </a:solidFill>
@@ -5587,14 +8734,14 @@
     <a:txDef>
       <a:spPr>
         <a:noFill/>
-        <a:ln w="12700" cap="flat">
+        <a:ln w="3175" cap="flat">
           <a:noFill/>
           <a:miter lim="400000"/>
         </a:ln>
         <a:effectLst/>
         <a:sp3d/>
       </a:spPr>
-      <a:bodyPr rot="0" spcFirstLastPara="1" vertOverflow="overflow" horzOverflow="overflow" vert="horz" wrap="square" lIns="50800" tIns="50800" rIns="50800" bIns="50800" numCol="1" spcCol="38100" rtlCol="0" anchor="ctr" upright="0">
+      <a:bodyPr rot="0" spcFirstLastPara="1" vertOverflow="overflow" horzOverflow="overflow" vert="horz" wrap="square" lIns="38100" tIns="38100" rIns="38100" bIns="38100" numCol="1" spcCol="38100" rtlCol="0" anchor="ctr" upright="0">
         <a:spAutoFit/>
       </a:bodyPr>
       <a:lstStyle>
@@ -5613,7 +8760,7 @@
           <a:buFontTx/>
           <a:buNone/>
           <a:tabLst/>
-          <a:defRPr b="0" baseline="0" cap="none" i="0" spc="0" strike="noStrike" sz="3600" u="none" kumimoji="0" normalizeH="0">
+          <a:defRPr b="0" baseline="0" cap="none" i="0" spc="0" strike="noStrike" sz="3400" u="none" kumimoji="0" normalizeH="0">
             <a:ln>
               <a:noFill/>
             </a:ln>
